--- a/presentation/3rd_presentation/GreenAI_3rd.pptx
+++ b/presentation/3rd_presentation/GreenAI_3rd.pptx
@@ -4873,6 +4873,22 @@
     </pc:docChg>
   </pc:docChgLst>
   <pc:docChgLst>
+    <pc:chgData name="HUANG LIN" userId="S::s301266@studenti.polito.it::1b5dcee7-0d99-405d-a0f0-637f14b99ad0" providerId="AD" clId="Web-{320DFB42-AB3A-43D0-A938-93D726B4159B}"/>
+    <pc:docChg chg="delSld">
+      <pc:chgData name="HUANG LIN" userId="S::s301266@studenti.polito.it::1b5dcee7-0d99-405d-a0f0-637f14b99ad0" providerId="AD" clId="Web-{320DFB42-AB3A-43D0-A938-93D726B4159B}" dt="2023-05-09T16:32:15.048" v="0"/>
+      <pc:docMkLst>
+        <pc:docMk/>
+      </pc:docMkLst>
+      <pc:sldChg chg="del">
+        <pc:chgData name="HUANG LIN" userId="S::s301266@studenti.polito.it::1b5dcee7-0d99-405d-a0f0-637f14b99ad0" providerId="AD" clId="Web-{320DFB42-AB3A-43D0-A938-93D726B4159B}" dt="2023-05-09T16:32:15.048" v="0"/>
+        <pc:sldMkLst>
+          <pc:docMk/>
+          <pc:sldMk cId="3625760117" sldId="359"/>
+        </pc:sldMkLst>
+      </pc:sldChg>
+    </pc:docChg>
+  </pc:docChgLst>
+  <pc:docChgLst>
     <pc:chgData name="Li  Yangshihao" userId="S::s302568@studenti.polito.it::ee48da2e-17a2-4953-b1e7-564eeca1e514" providerId="AD" clId="Web-{29B38739-F18C-4A97-8E48-F53C74F0D6C9}"/>
     <pc:docChg chg="addSld delSld modSld">
       <pc:chgData name="Li  Yangshihao" userId="S::s302568@studenti.polito.it::ee48da2e-17a2-4953-b1e7-564eeca1e514" providerId="AD" clId="Web-{29B38739-F18C-4A97-8E48-F53C74F0D6C9}" dt="2023-05-09T20:45:32.365" v="126"/>
@@ -4916,22 +4932,6 @@
             <ac:graphicFrameMk id="6" creationId="{3DEF3590-4F19-D115-5DC6-7ABE16C2CF37}"/>
           </ac:graphicFrameMkLst>
         </pc:graphicFrameChg>
-      </pc:sldChg>
-    </pc:docChg>
-  </pc:docChgLst>
-  <pc:docChgLst>
-    <pc:chgData name="HUANG LIN" userId="S::s301266@studenti.polito.it::1b5dcee7-0d99-405d-a0f0-637f14b99ad0" providerId="AD" clId="Web-{320DFB42-AB3A-43D0-A938-93D726B4159B}"/>
-    <pc:docChg chg="delSld">
-      <pc:chgData name="HUANG LIN" userId="S::s301266@studenti.polito.it::1b5dcee7-0d99-405d-a0f0-637f14b99ad0" providerId="AD" clId="Web-{320DFB42-AB3A-43D0-A938-93D726B4159B}" dt="2023-05-09T16:32:15.048" v="0"/>
-      <pc:docMkLst>
-        <pc:docMk/>
-      </pc:docMkLst>
-      <pc:sldChg chg="del">
-        <pc:chgData name="HUANG LIN" userId="S::s301266@studenti.polito.it::1b5dcee7-0d99-405d-a0f0-637f14b99ad0" providerId="AD" clId="Web-{320DFB42-AB3A-43D0-A938-93D726B4159B}" dt="2023-05-09T16:32:15.048" v="0"/>
-        <pc:sldMkLst>
-          <pc:docMk/>
-          <pc:sldMk cId="3625760117" sldId="359"/>
-        </pc:sldMkLst>
       </pc:sldChg>
     </pc:docChg>
   </pc:docChgLst>
@@ -21269,6 +21269,207 @@
           </a:ln>
         </p:spPr>
       </p:pic>
+      <p:sp>
+        <p:nvSpPr>
+          <p:cNvPr id="4" name="文本框 3">
+            <a:extLst>
+              <a:ext uri="{FF2B5EF4-FFF2-40B4-BE49-F238E27FC236}">
+                <a16:creationId xmlns:a16="http://schemas.microsoft.com/office/drawing/2014/main" id="{8EFE4D6D-5EBC-457C-D13B-E89122835FB4}"/>
+              </a:ext>
+            </a:extLst>
+          </p:cNvPr>
+          <p:cNvSpPr txBox="1"/>
+          <p:nvPr/>
+        </p:nvSpPr>
+        <p:spPr>
+          <a:xfrm>
+            <a:off x="851338" y="1429407"/>
+            <a:ext cx="9670276" cy="923330"/>
+          </a:xfrm>
+          <a:prstGeom prst="rect">
+            <a:avLst/>
+          </a:prstGeom>
+          <a:noFill/>
+        </p:spPr>
+        <p:txBody>
+          <a:bodyPr wrap="none" rtlCol="0">
+            <a:spAutoFit/>
+          </a:bodyPr>
+          <a:lstStyle/>
+          <a:p>
+            <a:r>
+              <a:rPr kumimoji="1" lang="en-US" altLang="zh-CN" dirty="0"/>
+              <a:t>1. </a:t>
+            </a:r>
+            <a:r>
+              <a:rPr kumimoji="1" lang="en-US" altLang="zh-CN"/>
+              <a:t>Validate CPU </a:t>
+            </a:r>
+            <a:r>
+              <a:rPr kumimoji="1" lang="en-US" altLang="zh-CN" dirty="0"/>
+              <a:t>energy consumption</a:t>
+            </a:r>
+          </a:p>
+          <a:p>
+            <a:r>
+              <a:rPr kumimoji="1" lang="en-US" altLang="zh-CN" dirty="0"/>
+              <a:t>2. Federated Learning?</a:t>
+            </a:r>
+          </a:p>
+          <a:p>
+            <a:r>
+              <a:rPr kumimoji="1" lang="en-US" altLang="zh-CN" dirty="0"/>
+              <a:t>3. The</a:t>
+            </a:r>
+            <a:r>
+              <a:rPr kumimoji="1" lang="zh-CN" altLang="en-US" dirty="0"/>
+              <a:t> </a:t>
+            </a:r>
+            <a:r>
+              <a:rPr kumimoji="1" lang="en-US" altLang="zh-CN" dirty="0"/>
+              <a:t>GPU energy consumption is about the same level, analysis from flop counter </a:t>
+            </a:r>
+            <a:r>
+              <a:rPr kumimoji="1" lang="en-US" altLang="zh-CN" dirty="0" err="1"/>
+              <a:t>perspect</a:t>
+            </a:r>
+            <a:r>
+              <a:rPr kumimoji="1" lang="en-US" altLang="zh-CN" dirty="0"/>
+              <a:t> </a:t>
+            </a:r>
+          </a:p>
+        </p:txBody>
+      </p:sp>
+      <p:pic>
+        <p:nvPicPr>
+          <p:cNvPr id="5" name="图片 4">
+            <a:extLst>
+              <a:ext uri="{FF2B5EF4-FFF2-40B4-BE49-F238E27FC236}">
+                <a16:creationId xmlns:a16="http://schemas.microsoft.com/office/drawing/2014/main" id="{0AA1ADF5-5EE6-4A89-AB25-A199BC525B29}"/>
+              </a:ext>
+            </a:extLst>
+          </p:cNvPr>
+          <p:cNvPicPr>
+            <a:picLocks noChangeAspect="1"/>
+          </p:cNvPicPr>
+          <p:nvPr/>
+        </p:nvPicPr>
+        <p:blipFill>
+          <a:blip r:embed="rId4"/>
+          <a:stretch>
+            <a:fillRect/>
+          </a:stretch>
+        </p:blipFill>
+        <p:spPr>
+          <a:xfrm>
+            <a:off x="544567" y="2352737"/>
+            <a:ext cx="4013146" cy="2198343"/>
+          </a:xfrm>
+          <a:prstGeom prst="rect">
+            <a:avLst/>
+          </a:prstGeom>
+        </p:spPr>
+      </p:pic>
+      <p:sp>
+        <p:nvSpPr>
+          <p:cNvPr id="6" name="文本框 5">
+            <a:extLst>
+              <a:ext uri="{FF2B5EF4-FFF2-40B4-BE49-F238E27FC236}">
+                <a16:creationId xmlns:a16="http://schemas.microsoft.com/office/drawing/2014/main" id="{F11E12E6-D4E3-1517-F002-2B2A77F668BF}"/>
+              </a:ext>
+            </a:extLst>
+          </p:cNvPr>
+          <p:cNvSpPr txBox="1"/>
+          <p:nvPr/>
+        </p:nvSpPr>
+        <p:spPr>
+          <a:xfrm>
+            <a:off x="1215678" y="4397191"/>
+            <a:ext cx="2722220" cy="307777"/>
+          </a:xfrm>
+          <a:prstGeom prst="rect">
+            <a:avLst/>
+          </a:prstGeom>
+          <a:noFill/>
+        </p:spPr>
+        <p:txBody>
+          <a:bodyPr wrap="none" rtlCol="0">
+            <a:spAutoFit/>
+          </a:bodyPr>
+          <a:lstStyle/>
+          <a:p>
+            <a:r>
+              <a:rPr kumimoji="1" lang="en-US" altLang="zh-CN" sz="1400" dirty="0"/>
+              <a:t>MPS energy consumption in M1</a:t>
+            </a:r>
+          </a:p>
+        </p:txBody>
+      </p:sp>
+      <p:pic>
+        <p:nvPicPr>
+          <p:cNvPr id="7" name="图片 6">
+            <a:extLst>
+              <a:ext uri="{FF2B5EF4-FFF2-40B4-BE49-F238E27FC236}">
+                <a16:creationId xmlns:a16="http://schemas.microsoft.com/office/drawing/2014/main" id="{96F6F8A9-06BB-9068-1DA2-69CA42CC77A0}"/>
+              </a:ext>
+            </a:extLst>
+          </p:cNvPr>
+          <p:cNvPicPr>
+            <a:picLocks noChangeAspect="1"/>
+          </p:cNvPicPr>
+          <p:nvPr/>
+        </p:nvPicPr>
+        <p:blipFill>
+          <a:blip r:embed="rId5"/>
+          <a:stretch>
+            <a:fillRect/>
+          </a:stretch>
+        </p:blipFill>
+        <p:spPr>
+          <a:xfrm>
+            <a:off x="6095205" y="2292426"/>
+            <a:ext cx="4243211" cy="2318964"/>
+          </a:xfrm>
+          <a:prstGeom prst="rect">
+            <a:avLst/>
+          </a:prstGeom>
+        </p:spPr>
+      </p:pic>
+      <p:sp>
+        <p:nvSpPr>
+          <p:cNvPr id="9" name="文本框 8">
+            <a:extLst>
+              <a:ext uri="{FF2B5EF4-FFF2-40B4-BE49-F238E27FC236}">
+                <a16:creationId xmlns:a16="http://schemas.microsoft.com/office/drawing/2014/main" id="{300EE575-306F-1218-1745-63135868593C}"/>
+              </a:ext>
+            </a:extLst>
+          </p:cNvPr>
+          <p:cNvSpPr txBox="1"/>
+          <p:nvPr/>
+        </p:nvSpPr>
+        <p:spPr>
+          <a:xfrm>
+            <a:off x="6391634" y="4457501"/>
+            <a:ext cx="4192110" cy="307777"/>
+          </a:xfrm>
+          <a:prstGeom prst="rect">
+            <a:avLst/>
+          </a:prstGeom>
+          <a:noFill/>
+        </p:spPr>
+        <p:txBody>
+          <a:bodyPr wrap="none" rtlCol="0">
+            <a:spAutoFit/>
+          </a:bodyPr>
+          <a:lstStyle/>
+          <a:p>
+            <a:r>
+              <a:rPr kumimoji="1" lang="en-US" altLang="zh-CN" sz="1400" dirty="0"/>
+              <a:t>GPU energy consumption in Linux(with RTX 3060)</a:t>
+            </a:r>
+          </a:p>
+        </p:txBody>
+      </p:sp>
     </p:spTree>
     <p:extLst>
       <p:ext uri="{BB962C8B-B14F-4D97-AF65-F5344CB8AC3E}">

--- a/presentation/3rd_presentation/GreenAI_3rd.pptx
+++ b/presentation/3rd_presentation/GreenAI_3rd.pptx
@@ -6,10 +6,10 @@
     <p:sldMasterId id="2147483672" r:id="rId2"/>
   </p:sldMasterIdLst>
   <p:notesMasterIdLst>
-    <p:notesMasterId r:id="rId15"/>
+    <p:notesMasterId r:id="rId16"/>
   </p:notesMasterIdLst>
   <p:handoutMasterIdLst>
-    <p:handoutMasterId r:id="rId16"/>
+    <p:handoutMasterId r:id="rId17"/>
   </p:handoutMasterIdLst>
   <p:sldIdLst>
     <p:sldId id="256" r:id="rId3"/>
@@ -20,10 +20,11 @@
     <p:sldId id="372" r:id="rId8"/>
     <p:sldId id="374" r:id="rId9"/>
     <p:sldId id="375" r:id="rId10"/>
-    <p:sldId id="376" r:id="rId11"/>
-    <p:sldId id="378" r:id="rId12"/>
-    <p:sldId id="377" r:id="rId13"/>
-    <p:sldId id="261" r:id="rId14"/>
+    <p:sldId id="379" r:id="rId11"/>
+    <p:sldId id="376" r:id="rId12"/>
+    <p:sldId id="378" r:id="rId13"/>
+    <p:sldId id="377" r:id="rId14"/>
+    <p:sldId id="261" r:id="rId15"/>
   </p:sldIdLst>
   <p:sldSz cx="12192000" cy="6858000"/>
   <p:notesSz cx="6858000" cy="9144000"/>
@@ -4873,22 +4874,6 @@
     </pc:docChg>
   </pc:docChgLst>
   <pc:docChgLst>
-    <pc:chgData name="HUANG LIN" userId="S::s301266@studenti.polito.it::1b5dcee7-0d99-405d-a0f0-637f14b99ad0" providerId="AD" clId="Web-{320DFB42-AB3A-43D0-A938-93D726B4159B}"/>
-    <pc:docChg chg="delSld">
-      <pc:chgData name="HUANG LIN" userId="S::s301266@studenti.polito.it::1b5dcee7-0d99-405d-a0f0-637f14b99ad0" providerId="AD" clId="Web-{320DFB42-AB3A-43D0-A938-93D726B4159B}" dt="2023-05-09T16:32:15.048" v="0"/>
-      <pc:docMkLst>
-        <pc:docMk/>
-      </pc:docMkLst>
-      <pc:sldChg chg="del">
-        <pc:chgData name="HUANG LIN" userId="S::s301266@studenti.polito.it::1b5dcee7-0d99-405d-a0f0-637f14b99ad0" providerId="AD" clId="Web-{320DFB42-AB3A-43D0-A938-93D726B4159B}" dt="2023-05-09T16:32:15.048" v="0"/>
-        <pc:sldMkLst>
-          <pc:docMk/>
-          <pc:sldMk cId="3625760117" sldId="359"/>
-        </pc:sldMkLst>
-      </pc:sldChg>
-    </pc:docChg>
-  </pc:docChgLst>
-  <pc:docChgLst>
     <pc:chgData name="Li  Yangshihao" userId="S::s302568@studenti.polito.it::ee48da2e-17a2-4953-b1e7-564eeca1e514" providerId="AD" clId="Web-{29B38739-F18C-4A97-8E48-F53C74F0D6C9}"/>
     <pc:docChg chg="addSld delSld modSld">
       <pc:chgData name="Li  Yangshihao" userId="S::s302568@studenti.polito.it::ee48da2e-17a2-4953-b1e7-564eeca1e514" providerId="AD" clId="Web-{29B38739-F18C-4A97-8E48-F53C74F0D6C9}" dt="2023-05-09T20:45:32.365" v="126"/>
@@ -4932,6 +4917,22 @@
             <ac:graphicFrameMk id="6" creationId="{3DEF3590-4F19-D115-5DC6-7ABE16C2CF37}"/>
           </ac:graphicFrameMkLst>
         </pc:graphicFrameChg>
+      </pc:sldChg>
+    </pc:docChg>
+  </pc:docChgLst>
+  <pc:docChgLst>
+    <pc:chgData name="HUANG LIN" userId="S::s301266@studenti.polito.it::1b5dcee7-0d99-405d-a0f0-637f14b99ad0" providerId="AD" clId="Web-{320DFB42-AB3A-43D0-A938-93D726B4159B}"/>
+    <pc:docChg chg="delSld">
+      <pc:chgData name="HUANG LIN" userId="S::s301266@studenti.polito.it::1b5dcee7-0d99-405d-a0f0-637f14b99ad0" providerId="AD" clId="Web-{320DFB42-AB3A-43D0-A938-93D726B4159B}" dt="2023-05-09T16:32:15.048" v="0"/>
+      <pc:docMkLst>
+        <pc:docMk/>
+      </pc:docMkLst>
+      <pc:sldChg chg="del">
+        <pc:chgData name="HUANG LIN" userId="S::s301266@studenti.polito.it::1b5dcee7-0d99-405d-a0f0-637f14b99ad0" providerId="AD" clId="Web-{320DFB42-AB3A-43D0-A938-93D726B4159B}" dt="2023-05-09T16:32:15.048" v="0"/>
+        <pc:sldMkLst>
+          <pc:docMk/>
+          <pc:sldMk cId="3625760117" sldId="359"/>
+        </pc:sldMkLst>
       </pc:sldChg>
     </pc:docChg>
   </pc:docChgLst>
@@ -7675,7 +7676,7 @@
                 <a:schemeClr val="tx1"/>
               </a:solidFill>
             </a:rPr>
-            <a:t>Last time question </a:t>
+            <a:t>Last time</a:t>
           </a:r>
         </a:p>
       </dgm:t>
@@ -8064,13 +8065,18 @@
         <a:p>
           <a:pPr rtl="0"/>
           <a:r>
-            <a:rPr lang="en-US" sz="2400" b="0" dirty="0">
+            <a:rPr lang="en-US" sz="2400" b="0">
               <a:solidFill>
                 <a:schemeClr val="bg1"/>
               </a:solidFill>
             </a:rPr>
-            <a:t>Last time question </a:t>
+            <a:t>Last time</a:t>
           </a:r>
+          <a:endParaRPr lang="en-US" sz="2400" b="0" dirty="0">
+            <a:solidFill>
+              <a:schemeClr val="bg1"/>
+            </a:solidFill>
+          </a:endParaRPr>
         </a:p>
       </dgm:t>
     </dgm:pt>
@@ -8457,7 +8463,7 @@
                 <a:schemeClr val="tx1"/>
               </a:solidFill>
             </a:rPr>
-            <a:t>Last time question </a:t>
+            <a:t>Last time</a:t>
           </a:r>
         </a:p>
       </dsp:txBody>
@@ -8996,13 +9002,18 @@
             <a:buNone/>
           </a:pPr>
           <a:r>
-            <a:rPr lang="en-US" sz="2400" b="0" kern="1200" dirty="0">
+            <a:rPr lang="en-US" sz="2400" b="0" kern="1200">
               <a:solidFill>
                 <a:schemeClr val="bg1"/>
               </a:solidFill>
             </a:rPr>
-            <a:t>Last time question </a:t>
+            <a:t>Last time</a:t>
           </a:r>
+          <a:endParaRPr lang="en-US" sz="2400" b="0" kern="1200" dirty="0">
+            <a:solidFill>
+              <a:schemeClr val="bg1"/>
+            </a:solidFill>
+          </a:endParaRPr>
         </a:p>
       </dsp:txBody>
       <dsp:txXfrm>
@@ -13700,6 +13711,13 @@
           <a:bodyPr/>
           <a:lstStyle/>
           <a:p>
+            <a:pPr marL="342900" lvl="0" indent="-342900" algn="just">
+              <a:buFont typeface="宋体" panose="02010600030101010101" pitchFamily="2" charset="-122"/>
+              <a:buChar char="•"/>
+              <a:tabLst>
+                <a:tab pos="457200" algn="l"/>
+              </a:tabLst>
+            </a:pPr>
             <a:endParaRPr kumimoji="1" lang="zh-CN" altLang="en-US" dirty="0"/>
           </a:p>
         </p:txBody>
@@ -13730,6 +13748,90 @@
     </p:spTree>
     <p:extLst>
       <p:ext uri="{BB962C8B-B14F-4D97-AF65-F5344CB8AC3E}">
+        <p14:creationId xmlns:p14="http://schemas.microsoft.com/office/powerpoint/2010/main" val="1885556332"/>
+      </p:ext>
+    </p:extLst>
+  </p:cSld>
+  <p:clrMapOvr>
+    <a:masterClrMapping/>
+  </p:clrMapOvr>
+</p:notes>
+</file>
+
+<file path=ppt/notesSlides/notesSlide11.xml><?xml version="1.0" encoding="utf-8"?>
+<p:notes xmlns:a="http://schemas.openxmlformats.org/drawingml/2006/main" xmlns:r="http://schemas.openxmlformats.org/officeDocument/2006/relationships" xmlns:p="http://schemas.openxmlformats.org/presentationml/2006/main">
+  <p:cSld>
+    <p:spTree>
+      <p:nvGrpSpPr>
+        <p:cNvPr id="1" name=""/>
+        <p:cNvGrpSpPr/>
+        <p:nvPr/>
+      </p:nvGrpSpPr>
+      <p:grpSpPr>
+        <a:xfrm>
+          <a:off x="0" y="0"/>
+          <a:ext cx="0" cy="0"/>
+          <a:chOff x="0" y="0"/>
+          <a:chExt cx="0" cy="0"/>
+        </a:xfrm>
+      </p:grpSpPr>
+      <p:sp>
+        <p:nvSpPr>
+          <p:cNvPr id="2" name="幻灯片图像占位符 1"/>
+          <p:cNvSpPr>
+            <a:spLocks noGrp="1" noRot="1" noChangeAspect="1"/>
+          </p:cNvSpPr>
+          <p:nvPr>
+            <p:ph type="sldImg"/>
+          </p:nvPr>
+        </p:nvSpPr>
+        <p:spPr/>
+      </p:sp>
+      <p:sp>
+        <p:nvSpPr>
+          <p:cNvPr id="3" name="备注占位符 2"/>
+          <p:cNvSpPr>
+            <a:spLocks noGrp="1"/>
+          </p:cNvSpPr>
+          <p:nvPr>
+            <p:ph type="body" idx="1"/>
+          </p:nvPr>
+        </p:nvSpPr>
+        <p:spPr/>
+        <p:txBody>
+          <a:bodyPr/>
+          <a:lstStyle/>
+          <a:p>
+            <a:endParaRPr kumimoji="1" lang="zh-CN" altLang="en-US" dirty="0"/>
+          </a:p>
+        </p:txBody>
+      </p:sp>
+      <p:sp>
+        <p:nvSpPr>
+          <p:cNvPr id="4" name="灯片编号占位符 3"/>
+          <p:cNvSpPr>
+            <a:spLocks noGrp="1"/>
+          </p:cNvSpPr>
+          <p:nvPr>
+            <p:ph type="sldNum" sz="quarter" idx="5"/>
+          </p:nvPr>
+        </p:nvSpPr>
+        <p:spPr/>
+        <p:txBody>
+          <a:bodyPr/>
+          <a:lstStyle/>
+          <a:p>
+            <a:fld id="{E9E6FDB6-6D2B-46C1-9FA1-D82906A37C3A}" type="slidenum">
+              <a:rPr lang="zh-CN" altLang="en-US" smtClean="0"/>
+              <a:t>11</a:t>
+            </a:fld>
+            <a:endParaRPr lang="zh-CN" altLang="en-US"/>
+          </a:p>
+        </p:txBody>
+      </p:sp>
+    </p:spTree>
+    <p:extLst>
+      <p:ext uri="{BB962C8B-B14F-4D97-AF65-F5344CB8AC3E}">
         <p14:creationId xmlns:p14="http://schemas.microsoft.com/office/powerpoint/2010/main" val="990869398"/>
       </p:ext>
     </p:extLst>
@@ -13740,7 +13842,7 @@
 </p:notes>
 </file>
 
-<file path=ppt/notesSlides/notesSlide11.xml><?xml version="1.0" encoding="utf-8"?>
+<file path=ppt/notesSlides/notesSlide12.xml><?xml version="1.0" encoding="utf-8"?>
 <p:notes xmlns:a="http://schemas.openxmlformats.org/drawingml/2006/main" xmlns:r="http://schemas.openxmlformats.org/officeDocument/2006/relationships" xmlns:p="http://schemas.openxmlformats.org/presentationml/2006/main">
   <p:cSld>
     <p:spTree>
@@ -13812,7 +13914,7 @@
           <a:p>
             <a:fld id="{E9E6FDB6-6D2B-46C1-9FA1-D82906A37C3A}" type="slidenum">
               <a:rPr lang="zh-CN" altLang="en-US" smtClean="0"/>
-              <a:t>11</a:t>
+              <a:t>12</a:t>
             </a:fld>
             <a:endParaRPr lang="zh-CN" altLang="en-US"/>
           </a:p>
@@ -14528,7 +14630,7 @@
     </p:spTree>
     <p:extLst>
       <p:ext uri="{BB962C8B-B14F-4D97-AF65-F5344CB8AC3E}">
-        <p14:creationId xmlns:p14="http://schemas.microsoft.com/office/powerpoint/2010/main" val="1885556332"/>
+        <p14:creationId xmlns:p14="http://schemas.microsoft.com/office/powerpoint/2010/main" val="3991578048"/>
       </p:ext>
     </p:extLst>
   </p:cSld>
@@ -21058,6 +21160,346 @@
       </p:grpSpPr>
       <p:sp>
         <p:nvSpPr>
+          <p:cNvPr id="2" name="标题 1"/>
+          <p:cNvSpPr>
+            <a:spLocks noGrp="1"/>
+          </p:cNvSpPr>
+          <p:nvPr>
+            <p:ph type="title"/>
+          </p:nvPr>
+        </p:nvSpPr>
+        <p:spPr>
+          <a:xfrm>
+            <a:off x="669924" y="-8794"/>
+            <a:ext cx="10850563" cy="1028699"/>
+          </a:xfrm>
+        </p:spPr>
+        <p:txBody>
+          <a:bodyPr/>
+          <a:lstStyle/>
+          <a:p>
+            <a:r>
+              <a:rPr lang="en-US" altLang="zh-CN" sz="2800" b="1" dirty="0">
+                <a:solidFill>
+                  <a:schemeClr val="tx1"/>
+                </a:solidFill>
+              </a:rPr>
+              <a:t>Simulation results</a:t>
+            </a:r>
+            <a:endParaRPr lang="en-US" altLang="zh-CN" dirty="0"/>
+          </a:p>
+        </p:txBody>
+      </p:sp>
+      <p:sp>
+        <p:nvSpPr>
+          <p:cNvPr id="6" name="文本框 5">
+            <a:extLst>
+              <a:ext uri="{FF2B5EF4-FFF2-40B4-BE49-F238E27FC236}">
+                <a16:creationId xmlns:a16="http://schemas.microsoft.com/office/drawing/2014/main" id="{40A76273-2CE1-43EB-D92B-AE83662FFACA}"/>
+              </a:ext>
+            </a:extLst>
+          </p:cNvPr>
+          <p:cNvSpPr txBox="1"/>
+          <p:nvPr/>
+        </p:nvSpPr>
+        <p:spPr>
+          <a:xfrm>
+            <a:off x="669924" y="1225141"/>
+            <a:ext cx="10841429" cy="646331"/>
+          </a:xfrm>
+          <a:prstGeom prst="rect">
+            <a:avLst/>
+          </a:prstGeom>
+          <a:noFill/>
+        </p:spPr>
+        <p:txBody>
+          <a:bodyPr wrap="square" rtlCol="0">
+            <a:spAutoFit/>
+          </a:bodyPr>
+          <a:lstStyle/>
+          <a:p>
+            <a:r>
+              <a:rPr kumimoji="1" lang="en-US" altLang="zh-CN" dirty="0"/>
+              <a:t>The avg GPU power of all epochs is 78.65W, the </a:t>
+            </a:r>
+            <a:r>
+              <a:rPr kumimoji="1" lang="en-US" altLang="zh-CN" dirty="0" err="1"/>
+              <a:t>codecarbon</a:t>
+            </a:r>
+            <a:r>
+              <a:rPr kumimoji="1" lang="en-US" altLang="zh-CN" dirty="0"/>
+              <a:t> result is 120.88W</a:t>
+            </a:r>
+          </a:p>
+          <a:p>
+            <a:r>
+              <a:rPr kumimoji="1" lang="en-US" altLang="zh-CN" dirty="0"/>
+              <a:t>The GPU energy consumption calculated by </a:t>
+            </a:r>
+            <a:r>
+              <a:rPr kumimoji="1" lang="en-US" altLang="zh-CN" dirty="0" err="1"/>
+              <a:t>nvidia-smi</a:t>
+            </a:r>
+            <a:r>
+              <a:rPr kumimoji="1" lang="en-US" altLang="zh-CN" dirty="0"/>
+              <a:t> is 0.03275kWh, and 0.05915kWh by </a:t>
+            </a:r>
+            <a:r>
+              <a:rPr kumimoji="1" lang="en-US" altLang="zh-CN" dirty="0" err="1"/>
+              <a:t>codecarbon</a:t>
+            </a:r>
+            <a:endParaRPr kumimoji="1" lang="zh-CN" altLang="en-US" dirty="0"/>
+          </a:p>
+        </p:txBody>
+      </p:sp>
+      <p:sp>
+        <p:nvSpPr>
+          <p:cNvPr id="9" name="文本框 8">
+            <a:extLst>
+              <a:ext uri="{FF2B5EF4-FFF2-40B4-BE49-F238E27FC236}">
+                <a16:creationId xmlns:a16="http://schemas.microsoft.com/office/drawing/2014/main" id="{0FCF66F7-CB24-B59A-11AB-F752C78DBF82}"/>
+              </a:ext>
+            </a:extLst>
+          </p:cNvPr>
+          <p:cNvSpPr txBox="1"/>
+          <p:nvPr/>
+        </p:nvSpPr>
+        <p:spPr>
+          <a:xfrm>
+            <a:off x="669924" y="2004446"/>
+            <a:ext cx="7423827" cy="646331"/>
+          </a:xfrm>
+          <a:prstGeom prst="rect">
+            <a:avLst/>
+          </a:prstGeom>
+          <a:noFill/>
+        </p:spPr>
+        <p:txBody>
+          <a:bodyPr wrap="none" rtlCol="0">
+            <a:spAutoFit/>
+          </a:bodyPr>
+          <a:lstStyle/>
+          <a:p>
+            <a:r>
+              <a:rPr kumimoji="1" lang="en-US" altLang="zh-CN" dirty="0"/>
+              <a:t>Ratio between power result is 78.65/130 = 0.6506</a:t>
+            </a:r>
+          </a:p>
+          <a:p>
+            <a:r>
+              <a:rPr kumimoji="1" lang="en-US" altLang="zh-CN" dirty="0"/>
+              <a:t>Ratio between energy consumption result is 0.03275/0.05915 = 0.5537</a:t>
+            </a:r>
+            <a:endParaRPr kumimoji="1" lang="zh-CN" altLang="en-US" dirty="0"/>
+          </a:p>
+        </p:txBody>
+      </p:sp>
+      <p:pic>
+        <p:nvPicPr>
+          <p:cNvPr id="11" name="图片 10" descr="图形用户界面, 文本&#10;&#10;描述已自动生成">
+            <a:extLst>
+              <a:ext uri="{FF2B5EF4-FFF2-40B4-BE49-F238E27FC236}">
+                <a16:creationId xmlns:a16="http://schemas.microsoft.com/office/drawing/2014/main" id="{52DC0C0F-33EB-D61E-B66B-95A65C0543BE}"/>
+              </a:ext>
+            </a:extLst>
+          </p:cNvPr>
+          <p:cNvPicPr>
+            <a:picLocks noChangeAspect="1"/>
+          </p:cNvPicPr>
+          <p:nvPr/>
+        </p:nvPicPr>
+        <p:blipFill>
+          <a:blip r:embed="rId3">
+            <a:extLst>
+              <a:ext uri="{28A0092B-C50C-407E-A947-70E740481C1C}">
+                <a14:useLocalDpi xmlns:a14="http://schemas.microsoft.com/office/drawing/2010/main" val="0"/>
+              </a:ext>
+            </a:extLst>
+          </a:blip>
+          <a:stretch>
+            <a:fillRect/>
+          </a:stretch>
+        </p:blipFill>
+        <p:spPr>
+          <a:xfrm>
+            <a:off x="669924" y="3812573"/>
+            <a:ext cx="4229100" cy="2070100"/>
+          </a:xfrm>
+          <a:prstGeom prst="rect">
+            <a:avLst/>
+          </a:prstGeom>
+        </p:spPr>
+      </p:pic>
+      <p:cxnSp>
+        <p:nvCxnSpPr>
+          <p:cNvPr id="13" name="直线连接符 12">
+            <a:extLst>
+              <a:ext uri="{FF2B5EF4-FFF2-40B4-BE49-F238E27FC236}">
+                <a16:creationId xmlns:a16="http://schemas.microsoft.com/office/drawing/2014/main" id="{32773B86-BE32-B421-6E02-7B124BA12490}"/>
+              </a:ext>
+            </a:extLst>
+          </p:cNvPr>
+          <p:cNvCxnSpPr/>
+          <p:nvPr/>
+        </p:nvCxnSpPr>
+        <p:spPr>
+          <a:xfrm>
+            <a:off x="669924" y="3086100"/>
+            <a:ext cx="10631489" cy="0"/>
+          </a:xfrm>
+          <a:prstGeom prst="line">
+            <a:avLst/>
+          </a:prstGeom>
+        </p:spPr>
+        <p:style>
+          <a:lnRef idx="1">
+            <a:schemeClr val="accent1"/>
+          </a:lnRef>
+          <a:fillRef idx="0">
+            <a:schemeClr val="accent1"/>
+          </a:fillRef>
+          <a:effectRef idx="0">
+            <a:schemeClr val="accent1"/>
+          </a:effectRef>
+          <a:fontRef idx="minor">
+            <a:schemeClr val="tx1"/>
+          </a:fontRef>
+        </p:style>
+      </p:cxnSp>
+      <p:sp>
+        <p:nvSpPr>
+          <p:cNvPr id="14" name="文本框 13">
+            <a:extLst>
+              <a:ext uri="{FF2B5EF4-FFF2-40B4-BE49-F238E27FC236}">
+                <a16:creationId xmlns:a16="http://schemas.microsoft.com/office/drawing/2014/main" id="{B02FD2E1-006F-DFF0-3A95-6B9D1B7424C9}"/>
+              </a:ext>
+            </a:extLst>
+          </p:cNvPr>
+          <p:cNvSpPr txBox="1"/>
+          <p:nvPr/>
+        </p:nvSpPr>
+        <p:spPr>
+          <a:xfrm>
+            <a:off x="669924" y="3264671"/>
+            <a:ext cx="1928733" cy="369332"/>
+          </a:xfrm>
+          <a:prstGeom prst="rect">
+            <a:avLst/>
+          </a:prstGeom>
+          <a:noFill/>
+        </p:spPr>
+        <p:txBody>
+          <a:bodyPr wrap="none" rtlCol="0">
+            <a:spAutoFit/>
+          </a:bodyPr>
+          <a:lstStyle/>
+          <a:p>
+            <a:r>
+              <a:rPr kumimoji="1" lang="en-US" altLang="zh-CN" dirty="0"/>
+              <a:t>Idle consumption</a:t>
+            </a:r>
+            <a:endParaRPr kumimoji="1" lang="zh-CN" altLang="en-US" dirty="0"/>
+          </a:p>
+        </p:txBody>
+      </p:sp>
+      <p:pic>
+        <p:nvPicPr>
+          <p:cNvPr id="15" name="图片 14">
+            <a:extLst>
+              <a:ext uri="{FF2B5EF4-FFF2-40B4-BE49-F238E27FC236}">
+                <a16:creationId xmlns:a16="http://schemas.microsoft.com/office/drawing/2014/main" id="{DA9D3A40-3C98-9830-ABC1-2BB095A92648}"/>
+              </a:ext>
+            </a:extLst>
+          </p:cNvPr>
+          <p:cNvPicPr>
+            <a:picLocks noChangeAspect="1"/>
+          </p:cNvPicPr>
+          <p:nvPr/>
+        </p:nvPicPr>
+        <p:blipFill>
+          <a:blip r:embed="rId4"/>
+          <a:stretch>
+            <a:fillRect/>
+          </a:stretch>
+        </p:blipFill>
+        <p:spPr>
+          <a:xfrm>
+            <a:off x="5940615" y="3812573"/>
+            <a:ext cx="3922713" cy="2324979"/>
+          </a:xfrm>
+          <a:prstGeom prst="rect">
+            <a:avLst/>
+          </a:prstGeom>
+        </p:spPr>
+      </p:pic>
+      <p:pic>
+        <p:nvPicPr>
+          <p:cNvPr id="3" name="Google Shape;64;p1" descr="徽标&#10;&#10;描述已自动生成">
+            <a:extLst>
+              <a:ext uri="{FF2B5EF4-FFF2-40B4-BE49-F238E27FC236}">
+                <a16:creationId xmlns:a16="http://schemas.microsoft.com/office/drawing/2014/main" id="{C5DDBA85-B6C2-5E11-4B1D-D65AE1ABDFCC}"/>
+              </a:ext>
+            </a:extLst>
+          </p:cNvPr>
+          <p:cNvPicPr preferRelativeResize="0"/>
+          <p:nvPr/>
+        </p:nvPicPr>
+        <p:blipFill rotWithShape="1">
+          <a:blip r:embed="rId5">
+            <a:alphaModFix/>
+          </a:blip>
+          <a:srcRect/>
+          <a:stretch/>
+        </p:blipFill>
+        <p:spPr>
+          <a:xfrm>
+            <a:off x="9863328" y="1"/>
+            <a:ext cx="2328672" cy="1028700"/>
+          </a:xfrm>
+          <a:prstGeom prst="rect">
+            <a:avLst/>
+          </a:prstGeom>
+          <a:noFill/>
+          <a:ln>
+            <a:noFill/>
+          </a:ln>
+        </p:spPr>
+      </p:pic>
+    </p:spTree>
+    <p:extLst>
+      <p:ext uri="{BB962C8B-B14F-4D97-AF65-F5344CB8AC3E}">
+        <p14:creationId xmlns:p14="http://schemas.microsoft.com/office/powerpoint/2010/main" val="1203632395"/>
+      </p:ext>
+    </p:extLst>
+  </p:cSld>
+  <p:clrMapOvr>
+    <a:masterClrMapping/>
+  </p:clrMapOvr>
+  <p:transition>
+    <p:checker/>
+  </p:transition>
+</p:sld>
+</file>
+
+<file path=ppt/slides/slide11.xml><?xml version="1.0" encoding="utf-8"?>
+<p:sld xmlns:a="http://schemas.openxmlformats.org/drawingml/2006/main" xmlns:r="http://schemas.openxmlformats.org/officeDocument/2006/relationships" xmlns:p="http://schemas.openxmlformats.org/presentationml/2006/main">
+  <p:cSld>
+    <p:spTree>
+      <p:nvGrpSpPr>
+        <p:cNvPr id="1" name=""/>
+        <p:cNvGrpSpPr/>
+        <p:nvPr/>
+      </p:nvGrpSpPr>
+      <p:grpSpPr>
+        <a:xfrm>
+          <a:off x="0" y="0"/>
+          <a:ext cx="0" cy="0"/>
+          <a:chOff x="0" y="0"/>
+          <a:chExt cx="0" cy="0"/>
+        </a:xfrm>
+      </p:grpSpPr>
+      <p:sp>
+        <p:nvSpPr>
           <p:cNvPr id="15" name="标题 14">
             <a:extLst>
               <a:ext uri="{FF2B5EF4-FFF2-40B4-BE49-F238E27FC236}">
@@ -21097,7 +21539,13 @@
           <p:cNvGraphicFramePr>
             <a:graphicFrameLocks/>
           </p:cNvGraphicFramePr>
-          <p:nvPr/>
+          <p:nvPr>
+            <p:extLst>
+              <p:ext uri="{D42A27DB-BD31-4B8C-83A1-F6EECF244321}">
+                <p14:modId xmlns:p14="http://schemas.microsoft.com/office/powerpoint/2010/main" val="307890085"/>
+              </p:ext>
+            </p:extLst>
+          </p:nvPr>
         </p:nvGraphicFramePr>
         <p:xfrm>
           <a:off x="838200" y="1825625"/>
@@ -21132,7 +21580,7 @@
           <a:p>
             <a:fld id="{5DD3DB80-B894-403A-B48E-6FDC1A72010E}" type="slidenum">
               <a:rPr lang="zh-CN" altLang="en-US" smtClean="0"/>
-              <a:t>10</a:t>
+              <a:t>11</a:t>
             </a:fld>
             <a:endParaRPr lang="zh-CN" altLang="en-US"/>
           </a:p>
@@ -21187,7 +21635,7 @@
 </p:sld>
 </file>
 
-<file path=ppt/slides/slide11.xml><?xml version="1.0" encoding="utf-8"?>
+<file path=ppt/slides/slide12.xml><?xml version="1.0" encoding="utf-8"?>
 <p:sld xmlns:a="http://schemas.openxmlformats.org/drawingml/2006/main" xmlns:r="http://schemas.openxmlformats.org/officeDocument/2006/relationships" xmlns:p="http://schemas.openxmlformats.org/presentationml/2006/main">
   <p:cSld>
     <p:spTree>
@@ -21284,7 +21732,7 @@
         <p:spPr>
           <a:xfrm>
             <a:off x="851338" y="1429407"/>
-            <a:ext cx="9670276" cy="923330"/>
+            <a:ext cx="4194795" cy="659037"/>
           </a:xfrm>
           <a:prstGeom prst="rect">
             <a:avLst/>
@@ -21292,180 +21740,20 @@
           <a:noFill/>
         </p:spPr>
         <p:txBody>
-          <a:bodyPr wrap="none" rtlCol="0">
+          <a:bodyPr wrap="square" rtlCol="0">
             <a:spAutoFit/>
           </a:bodyPr>
           <a:lstStyle/>
           <a:p>
             <a:r>
               <a:rPr kumimoji="1" lang="en-US" altLang="zh-CN" dirty="0"/>
-              <a:t>1. </a:t>
-            </a:r>
-            <a:r>
-              <a:rPr kumimoji="1" lang="en-US" altLang="zh-CN"/>
-              <a:t>Validate CPU </a:t>
-            </a:r>
-            <a:r>
-              <a:rPr kumimoji="1" lang="en-US" altLang="zh-CN" dirty="0"/>
-              <a:t>energy consumption</a:t>
+              <a:t>1. Validate CPU energy consumption</a:t>
             </a:r>
           </a:p>
           <a:p>
             <a:r>
               <a:rPr kumimoji="1" lang="en-US" altLang="zh-CN" dirty="0"/>
-              <a:t>2. Federated Learning?</a:t>
-            </a:r>
-          </a:p>
-          <a:p>
-            <a:r>
-              <a:rPr kumimoji="1" lang="en-US" altLang="zh-CN" dirty="0"/>
-              <a:t>3. The</a:t>
-            </a:r>
-            <a:r>
-              <a:rPr kumimoji="1" lang="zh-CN" altLang="en-US" dirty="0"/>
-              <a:t> </a:t>
-            </a:r>
-            <a:r>
-              <a:rPr kumimoji="1" lang="en-US" altLang="zh-CN" dirty="0"/>
-              <a:t>GPU energy consumption is about the same level, analysis from flop counter </a:t>
-            </a:r>
-            <a:r>
-              <a:rPr kumimoji="1" lang="en-US" altLang="zh-CN" dirty="0" err="1"/>
-              <a:t>perspect</a:t>
-            </a:r>
-            <a:r>
-              <a:rPr kumimoji="1" lang="en-US" altLang="zh-CN" dirty="0"/>
-              <a:t> </a:t>
-            </a:r>
-          </a:p>
-        </p:txBody>
-      </p:sp>
-      <p:pic>
-        <p:nvPicPr>
-          <p:cNvPr id="5" name="图片 4">
-            <a:extLst>
-              <a:ext uri="{FF2B5EF4-FFF2-40B4-BE49-F238E27FC236}">
-                <a16:creationId xmlns:a16="http://schemas.microsoft.com/office/drawing/2014/main" id="{0AA1ADF5-5EE6-4A89-AB25-A199BC525B29}"/>
-              </a:ext>
-            </a:extLst>
-          </p:cNvPr>
-          <p:cNvPicPr>
-            <a:picLocks noChangeAspect="1"/>
-          </p:cNvPicPr>
-          <p:nvPr/>
-        </p:nvPicPr>
-        <p:blipFill>
-          <a:blip r:embed="rId4"/>
-          <a:stretch>
-            <a:fillRect/>
-          </a:stretch>
-        </p:blipFill>
-        <p:spPr>
-          <a:xfrm>
-            <a:off x="544567" y="2352737"/>
-            <a:ext cx="4013146" cy="2198343"/>
-          </a:xfrm>
-          <a:prstGeom prst="rect">
-            <a:avLst/>
-          </a:prstGeom>
-        </p:spPr>
-      </p:pic>
-      <p:sp>
-        <p:nvSpPr>
-          <p:cNvPr id="6" name="文本框 5">
-            <a:extLst>
-              <a:ext uri="{FF2B5EF4-FFF2-40B4-BE49-F238E27FC236}">
-                <a16:creationId xmlns:a16="http://schemas.microsoft.com/office/drawing/2014/main" id="{F11E12E6-D4E3-1517-F002-2B2A77F668BF}"/>
-              </a:ext>
-            </a:extLst>
-          </p:cNvPr>
-          <p:cNvSpPr txBox="1"/>
-          <p:nvPr/>
-        </p:nvSpPr>
-        <p:spPr>
-          <a:xfrm>
-            <a:off x="1215678" y="4397191"/>
-            <a:ext cx="2722220" cy="307777"/>
-          </a:xfrm>
-          <a:prstGeom prst="rect">
-            <a:avLst/>
-          </a:prstGeom>
-          <a:noFill/>
-        </p:spPr>
-        <p:txBody>
-          <a:bodyPr wrap="none" rtlCol="0">
-            <a:spAutoFit/>
-          </a:bodyPr>
-          <a:lstStyle/>
-          <a:p>
-            <a:r>
-              <a:rPr kumimoji="1" lang="en-US" altLang="zh-CN" sz="1400" dirty="0"/>
-              <a:t>MPS energy consumption in M1</a:t>
-            </a:r>
-          </a:p>
-        </p:txBody>
-      </p:sp>
-      <p:pic>
-        <p:nvPicPr>
-          <p:cNvPr id="7" name="图片 6">
-            <a:extLst>
-              <a:ext uri="{FF2B5EF4-FFF2-40B4-BE49-F238E27FC236}">
-                <a16:creationId xmlns:a16="http://schemas.microsoft.com/office/drawing/2014/main" id="{96F6F8A9-06BB-9068-1DA2-69CA42CC77A0}"/>
-              </a:ext>
-            </a:extLst>
-          </p:cNvPr>
-          <p:cNvPicPr>
-            <a:picLocks noChangeAspect="1"/>
-          </p:cNvPicPr>
-          <p:nvPr/>
-        </p:nvPicPr>
-        <p:blipFill>
-          <a:blip r:embed="rId5"/>
-          <a:stretch>
-            <a:fillRect/>
-          </a:stretch>
-        </p:blipFill>
-        <p:spPr>
-          <a:xfrm>
-            <a:off x="6095205" y="2292426"/>
-            <a:ext cx="4243211" cy="2318964"/>
-          </a:xfrm>
-          <a:prstGeom prst="rect">
-            <a:avLst/>
-          </a:prstGeom>
-        </p:spPr>
-      </p:pic>
-      <p:sp>
-        <p:nvSpPr>
-          <p:cNvPr id="9" name="文本框 8">
-            <a:extLst>
-              <a:ext uri="{FF2B5EF4-FFF2-40B4-BE49-F238E27FC236}">
-                <a16:creationId xmlns:a16="http://schemas.microsoft.com/office/drawing/2014/main" id="{300EE575-306F-1218-1745-63135868593C}"/>
-              </a:ext>
-            </a:extLst>
-          </p:cNvPr>
-          <p:cNvSpPr txBox="1"/>
-          <p:nvPr/>
-        </p:nvSpPr>
-        <p:spPr>
-          <a:xfrm>
-            <a:off x="6391634" y="4457501"/>
-            <a:ext cx="4192110" cy="307777"/>
-          </a:xfrm>
-          <a:prstGeom prst="rect">
-            <a:avLst/>
-          </a:prstGeom>
-          <a:noFill/>
-        </p:spPr>
-        <p:txBody>
-          <a:bodyPr wrap="none" rtlCol="0">
-            <a:spAutoFit/>
-          </a:bodyPr>
-          <a:lstStyle/>
-          <a:p>
-            <a:r>
-              <a:rPr kumimoji="1" lang="en-US" altLang="zh-CN" sz="1400" dirty="0"/>
-              <a:t>GPU energy consumption in Linux(with RTX 3060)</a:t>
+              <a:t>2. Federated Learning</a:t>
             </a:r>
           </a:p>
         </p:txBody>
@@ -21486,7 +21774,7 @@
 </p:sld>
 </file>
 
-<file path=ppt/slides/slide12.xml><?xml version="1.0" encoding="utf-8"?>
+<file path=ppt/slides/slide13.xml><?xml version="1.0" encoding="utf-8"?>
 <p:sld xmlns:a="http://schemas.openxmlformats.org/drawingml/2006/main" xmlns:r="http://schemas.openxmlformats.org/officeDocument/2006/relationships" xmlns:p="http://schemas.openxmlformats.org/presentationml/2006/main">
   <p:cSld>
     <p:spTree>
@@ -21822,7 +22110,7 @@
           <p:nvPr>
             <p:extLst>
               <p:ext uri="{D42A27DB-BD31-4B8C-83A1-F6EECF244321}">
-                <p14:modId xmlns:p14="http://schemas.microsoft.com/office/powerpoint/2010/main" val="3917869968"/>
+                <p14:modId xmlns:p14="http://schemas.microsoft.com/office/powerpoint/2010/main" val="1073356808"/>
               </p:ext>
             </p:extLst>
           </p:nvPr>
@@ -21954,8 +22242,21 @@
                   <a:schemeClr val="tx1"/>
                 </a:solidFill>
               </a:rPr>
-              <a:t>Last time question </a:t>
+              <a:t>Last time</a:t>
             </a:r>
+            <a:r>
+              <a:rPr lang="zh-CN" altLang="en-US" sz="2800" b="1" dirty="0">
+                <a:solidFill>
+                  <a:schemeClr val="tx1"/>
+                </a:solidFill>
+              </a:rPr>
+              <a:t> </a:t>
+            </a:r>
+            <a:endParaRPr lang="en-US" altLang="zh-CN" sz="2800" b="1" dirty="0">
+              <a:solidFill>
+                <a:schemeClr val="tx1"/>
+              </a:solidFill>
+            </a:endParaRPr>
           </a:p>
         </p:txBody>
       </p:sp>
@@ -22333,7 +22634,7 @@
         </p:nvSpPr>
         <p:spPr>
           <a:xfrm>
-            <a:off x="7646008" y="6060351"/>
+            <a:off x="7307342" y="6060350"/>
             <a:ext cx="3202283" cy="246221"/>
           </a:xfrm>
           <a:prstGeom prst="rect">
@@ -22377,7 +22678,7 @@
         </p:blipFill>
         <p:spPr>
           <a:xfrm>
-            <a:off x="7009779" y="3898589"/>
+            <a:off x="6693690" y="3876648"/>
             <a:ext cx="4017885" cy="2200939"/>
           </a:xfrm>
           <a:prstGeom prst="rect">
@@ -23707,6 +24008,278 @@
           </a:p>
         </p:txBody>
       </p:sp>
+      <p:pic>
+        <p:nvPicPr>
+          <p:cNvPr id="5" name="Google Shape;64;p1" descr="徽标&#10;&#10;描述已自动生成">
+            <a:extLst>
+              <a:ext uri="{FF2B5EF4-FFF2-40B4-BE49-F238E27FC236}">
+                <a16:creationId xmlns:a16="http://schemas.microsoft.com/office/drawing/2014/main" id="{703235E2-2357-08AF-E248-43B9909F7CB6}"/>
+              </a:ext>
+            </a:extLst>
+          </p:cNvPr>
+          <p:cNvPicPr preferRelativeResize="0"/>
+          <p:nvPr/>
+        </p:nvPicPr>
+        <p:blipFill rotWithShape="1">
+          <a:blip r:embed="rId3">
+            <a:alphaModFix/>
+          </a:blip>
+          <a:srcRect/>
+          <a:stretch/>
+        </p:blipFill>
+        <p:spPr>
+          <a:xfrm>
+            <a:off x="9863328" y="1"/>
+            <a:ext cx="2328672" cy="1028700"/>
+          </a:xfrm>
+          <a:prstGeom prst="rect">
+            <a:avLst/>
+          </a:prstGeom>
+          <a:noFill/>
+          <a:ln>
+            <a:noFill/>
+          </a:ln>
+        </p:spPr>
+      </p:pic>
+      <p:sp>
+        <p:nvSpPr>
+          <p:cNvPr id="6" name="文本框 5">
+            <a:extLst>
+              <a:ext uri="{FF2B5EF4-FFF2-40B4-BE49-F238E27FC236}">
+                <a16:creationId xmlns:a16="http://schemas.microsoft.com/office/drawing/2014/main" id="{7CD9048D-70E6-A84F-0870-D2A7D566EB9E}"/>
+              </a:ext>
+            </a:extLst>
+          </p:cNvPr>
+          <p:cNvSpPr txBox="1"/>
+          <p:nvPr/>
+        </p:nvSpPr>
+        <p:spPr>
+          <a:xfrm>
+            <a:off x="1589900" y="4107607"/>
+            <a:ext cx="2722220" cy="307777"/>
+          </a:xfrm>
+          <a:prstGeom prst="rect">
+            <a:avLst/>
+          </a:prstGeom>
+          <a:noFill/>
+        </p:spPr>
+        <p:txBody>
+          <a:bodyPr wrap="none" rtlCol="0">
+            <a:spAutoFit/>
+          </a:bodyPr>
+          <a:lstStyle/>
+          <a:p>
+            <a:r>
+              <a:rPr kumimoji="1" lang="en-US" altLang="zh-CN" sz="1400" dirty="0"/>
+              <a:t>MPS energy consumption in M1</a:t>
+            </a:r>
+          </a:p>
+        </p:txBody>
+      </p:sp>
+      <p:sp>
+        <p:nvSpPr>
+          <p:cNvPr id="8" name="文本框 7">
+            <a:extLst>
+              <a:ext uri="{FF2B5EF4-FFF2-40B4-BE49-F238E27FC236}">
+                <a16:creationId xmlns:a16="http://schemas.microsoft.com/office/drawing/2014/main" id="{D2FB98EF-C337-4A1F-03E7-42F2120C4567}"/>
+              </a:ext>
+            </a:extLst>
+          </p:cNvPr>
+          <p:cNvSpPr txBox="1"/>
+          <p:nvPr/>
+        </p:nvSpPr>
+        <p:spPr>
+          <a:xfrm>
+            <a:off x="6732272" y="4107606"/>
+            <a:ext cx="4192110" cy="307777"/>
+          </a:xfrm>
+          <a:prstGeom prst="rect">
+            <a:avLst/>
+          </a:prstGeom>
+          <a:noFill/>
+        </p:spPr>
+        <p:txBody>
+          <a:bodyPr wrap="none" rtlCol="0">
+            <a:spAutoFit/>
+          </a:bodyPr>
+          <a:lstStyle/>
+          <a:p>
+            <a:r>
+              <a:rPr kumimoji="1" lang="en-US" altLang="zh-CN" sz="1400" dirty="0"/>
+              <a:t>GPU energy consumption in Linux(with RTX 3060)</a:t>
+            </a:r>
+          </a:p>
+        </p:txBody>
+      </p:sp>
+      <p:sp>
+        <p:nvSpPr>
+          <p:cNvPr id="9" name="文本框 8">
+            <a:extLst>
+              <a:ext uri="{FF2B5EF4-FFF2-40B4-BE49-F238E27FC236}">
+                <a16:creationId xmlns:a16="http://schemas.microsoft.com/office/drawing/2014/main" id="{D7050C0E-9554-1343-C1CB-A9D320849F4F}"/>
+              </a:ext>
+            </a:extLst>
+          </p:cNvPr>
+          <p:cNvSpPr txBox="1"/>
+          <p:nvPr/>
+        </p:nvSpPr>
+        <p:spPr>
+          <a:xfrm>
+            <a:off x="948267" y="1230489"/>
+            <a:ext cx="4737194" cy="369332"/>
+          </a:xfrm>
+          <a:prstGeom prst="rect">
+            <a:avLst/>
+          </a:prstGeom>
+          <a:noFill/>
+        </p:spPr>
+        <p:txBody>
+          <a:bodyPr wrap="none" rtlCol="0">
+            <a:spAutoFit/>
+          </a:bodyPr>
+          <a:lstStyle/>
+          <a:p>
+            <a:r>
+              <a:rPr kumimoji="1" lang="en-US" altLang="zh-CN" dirty="0"/>
+              <a:t>Energy consumption between </a:t>
+            </a:r>
+            <a:r>
+              <a:rPr kumimoji="1" lang="en-US" altLang="zh-CN" dirty="0" err="1"/>
+              <a:t>mps</a:t>
+            </a:r>
+            <a:r>
+              <a:rPr kumimoji="1" lang="en-US" altLang="zh-CN" dirty="0"/>
+              <a:t> and GPU</a:t>
+            </a:r>
+            <a:endParaRPr kumimoji="1" lang="zh-CN" altLang="en-US" dirty="0"/>
+          </a:p>
+        </p:txBody>
+      </p:sp>
+      <p:pic>
+        <p:nvPicPr>
+          <p:cNvPr id="11" name="图片 10">
+            <a:extLst>
+              <a:ext uri="{FF2B5EF4-FFF2-40B4-BE49-F238E27FC236}">
+                <a16:creationId xmlns:a16="http://schemas.microsoft.com/office/drawing/2014/main" id="{91C7C261-4F6A-E0DC-8A46-6068C332895B}"/>
+              </a:ext>
+            </a:extLst>
+          </p:cNvPr>
+          <p:cNvPicPr>
+            <a:picLocks noChangeAspect="1"/>
+          </p:cNvPicPr>
+          <p:nvPr/>
+        </p:nvPicPr>
+        <p:blipFill>
+          <a:blip r:embed="rId4"/>
+          <a:stretch>
+            <a:fillRect/>
+          </a:stretch>
+        </p:blipFill>
+        <p:spPr>
+          <a:xfrm>
+            <a:off x="640080" y="1618337"/>
+            <a:ext cx="4819650" cy="2489270"/>
+          </a:xfrm>
+          <a:prstGeom prst="rect">
+            <a:avLst/>
+          </a:prstGeom>
+        </p:spPr>
+      </p:pic>
+      <p:pic>
+        <p:nvPicPr>
+          <p:cNvPr id="13" name="图片 12">
+            <a:extLst>
+              <a:ext uri="{FF2B5EF4-FFF2-40B4-BE49-F238E27FC236}">
+                <a16:creationId xmlns:a16="http://schemas.microsoft.com/office/drawing/2014/main" id="{C066BA2F-8DEB-0693-7788-6FD1CA828AA9}"/>
+              </a:ext>
+            </a:extLst>
+          </p:cNvPr>
+          <p:cNvPicPr>
+            <a:picLocks noChangeAspect="1"/>
+          </p:cNvPicPr>
+          <p:nvPr/>
+        </p:nvPicPr>
+        <p:blipFill>
+          <a:blip r:embed="rId5"/>
+          <a:stretch>
+            <a:fillRect/>
+          </a:stretch>
+        </p:blipFill>
+        <p:spPr>
+          <a:xfrm>
+            <a:off x="6290733" y="1599821"/>
+            <a:ext cx="4819650" cy="2467577"/>
+          </a:xfrm>
+          <a:prstGeom prst="rect">
+            <a:avLst/>
+          </a:prstGeom>
+        </p:spPr>
+      </p:pic>
+    </p:spTree>
+    <p:extLst>
+      <p:ext uri="{BB962C8B-B14F-4D97-AF65-F5344CB8AC3E}">
+        <p14:creationId xmlns:p14="http://schemas.microsoft.com/office/powerpoint/2010/main" val="2886775148"/>
+      </p:ext>
+    </p:extLst>
+  </p:cSld>
+  <p:clrMapOvr>
+    <a:masterClrMapping/>
+  </p:clrMapOvr>
+  <p:transition>
+    <p:checker/>
+  </p:transition>
+</p:sld>
+</file>
+
+<file path=ppt/slides/slide9.xml><?xml version="1.0" encoding="utf-8"?>
+<p:sld xmlns:a="http://schemas.openxmlformats.org/drawingml/2006/main" xmlns:r="http://schemas.openxmlformats.org/officeDocument/2006/relationships" xmlns:p="http://schemas.openxmlformats.org/presentationml/2006/main">
+  <p:cSld>
+    <p:spTree>
+      <p:nvGrpSpPr>
+        <p:cNvPr id="1" name=""/>
+        <p:cNvGrpSpPr/>
+        <p:nvPr/>
+      </p:nvGrpSpPr>
+      <p:grpSpPr>
+        <a:xfrm>
+          <a:off x="0" y="0"/>
+          <a:ext cx="0" cy="0"/>
+          <a:chOff x="0" y="0"/>
+          <a:chExt cx="0" cy="0"/>
+        </a:xfrm>
+      </p:grpSpPr>
+      <p:sp>
+        <p:nvSpPr>
+          <p:cNvPr id="2" name="标题 1"/>
+          <p:cNvSpPr>
+            <a:spLocks noGrp="1"/>
+          </p:cNvSpPr>
+          <p:nvPr>
+            <p:ph type="title"/>
+          </p:nvPr>
+        </p:nvSpPr>
+        <p:spPr>
+          <a:xfrm>
+            <a:off x="669924" y="-8794"/>
+            <a:ext cx="10850563" cy="1028699"/>
+          </a:xfrm>
+        </p:spPr>
+        <p:txBody>
+          <a:bodyPr/>
+          <a:lstStyle/>
+          <a:p>
+            <a:r>
+              <a:rPr lang="en-US" altLang="zh-CN" sz="2800" b="1" dirty="0">
+                <a:solidFill>
+                  <a:schemeClr val="tx1"/>
+                </a:solidFill>
+              </a:rPr>
+              <a:t>Simulation results</a:t>
+            </a:r>
+            <a:endParaRPr lang="en-US" altLang="zh-CN" dirty="0"/>
+          </a:p>
+        </p:txBody>
+      </p:sp>
       <p:sp>
         <p:nvSpPr>
           <p:cNvPr id="3" name="文本框 2">
@@ -24035,347 +24608,7 @@
     </p:spTree>
     <p:extLst>
       <p:ext uri="{BB962C8B-B14F-4D97-AF65-F5344CB8AC3E}">
-        <p14:creationId xmlns:p14="http://schemas.microsoft.com/office/powerpoint/2010/main" val="2886775148"/>
-      </p:ext>
-    </p:extLst>
-  </p:cSld>
-  <p:clrMapOvr>
-    <a:masterClrMapping/>
-  </p:clrMapOvr>
-  <p:transition>
-    <p:checker/>
-  </p:transition>
-</p:sld>
-</file>
-
-<file path=ppt/slides/slide9.xml><?xml version="1.0" encoding="utf-8"?>
-<p:sld xmlns:a="http://schemas.openxmlformats.org/drawingml/2006/main" xmlns:r="http://schemas.openxmlformats.org/officeDocument/2006/relationships" xmlns:p="http://schemas.openxmlformats.org/presentationml/2006/main">
-  <p:cSld>
-    <p:spTree>
-      <p:nvGrpSpPr>
-        <p:cNvPr id="1" name=""/>
-        <p:cNvGrpSpPr/>
-        <p:nvPr/>
-      </p:nvGrpSpPr>
-      <p:grpSpPr>
-        <a:xfrm>
-          <a:off x="0" y="0"/>
-          <a:ext cx="0" cy="0"/>
-          <a:chOff x="0" y="0"/>
-          <a:chExt cx="0" cy="0"/>
-        </a:xfrm>
-      </p:grpSpPr>
-      <p:sp>
-        <p:nvSpPr>
-          <p:cNvPr id="2" name="标题 1"/>
-          <p:cNvSpPr>
-            <a:spLocks noGrp="1"/>
-          </p:cNvSpPr>
-          <p:nvPr>
-            <p:ph type="title"/>
-          </p:nvPr>
-        </p:nvSpPr>
-        <p:spPr>
-          <a:xfrm>
-            <a:off x="669924" y="-8794"/>
-            <a:ext cx="10850563" cy="1028699"/>
-          </a:xfrm>
-        </p:spPr>
-        <p:txBody>
-          <a:bodyPr/>
-          <a:lstStyle/>
-          <a:p>
-            <a:r>
-              <a:rPr lang="en-US" altLang="zh-CN" sz="2800" b="1" dirty="0">
-                <a:solidFill>
-                  <a:schemeClr val="tx1"/>
-                </a:solidFill>
-              </a:rPr>
-              <a:t>Simulation results</a:t>
-            </a:r>
-            <a:endParaRPr lang="en-US" altLang="zh-CN" dirty="0"/>
-          </a:p>
-        </p:txBody>
-      </p:sp>
-      <p:sp>
-        <p:nvSpPr>
-          <p:cNvPr id="6" name="文本框 5">
-            <a:extLst>
-              <a:ext uri="{FF2B5EF4-FFF2-40B4-BE49-F238E27FC236}">
-                <a16:creationId xmlns:a16="http://schemas.microsoft.com/office/drawing/2014/main" id="{40A76273-2CE1-43EB-D92B-AE83662FFACA}"/>
-              </a:ext>
-            </a:extLst>
-          </p:cNvPr>
-          <p:cNvSpPr txBox="1"/>
-          <p:nvPr/>
-        </p:nvSpPr>
-        <p:spPr>
-          <a:xfrm>
-            <a:off x="669924" y="1225141"/>
-            <a:ext cx="10841429" cy="646331"/>
-          </a:xfrm>
-          <a:prstGeom prst="rect">
-            <a:avLst/>
-          </a:prstGeom>
-          <a:noFill/>
-        </p:spPr>
-        <p:txBody>
-          <a:bodyPr wrap="square" rtlCol="0">
-            <a:spAutoFit/>
-          </a:bodyPr>
-          <a:lstStyle/>
-          <a:p>
-            <a:r>
-              <a:rPr kumimoji="1" lang="en-US" altLang="zh-CN" dirty="0"/>
-              <a:t>The avg GPU power of all epochs is 78.65W, the </a:t>
-            </a:r>
-            <a:r>
-              <a:rPr kumimoji="1" lang="en-US" altLang="zh-CN" dirty="0" err="1"/>
-              <a:t>codecarbon</a:t>
-            </a:r>
-            <a:r>
-              <a:rPr kumimoji="1" lang="en-US" altLang="zh-CN" dirty="0"/>
-              <a:t> result is 120.88W</a:t>
-            </a:r>
-          </a:p>
-          <a:p>
-            <a:r>
-              <a:rPr kumimoji="1" lang="en-US" altLang="zh-CN" dirty="0"/>
-              <a:t>The GPU energy consumption calculated by </a:t>
-            </a:r>
-            <a:r>
-              <a:rPr kumimoji="1" lang="en-US" altLang="zh-CN" dirty="0" err="1"/>
-              <a:t>nvidia-smi</a:t>
-            </a:r>
-            <a:r>
-              <a:rPr kumimoji="1" lang="en-US" altLang="zh-CN" dirty="0"/>
-              <a:t> is 0.03275kWh, and 0.05915kWh by </a:t>
-            </a:r>
-            <a:r>
-              <a:rPr kumimoji="1" lang="en-US" altLang="zh-CN" dirty="0" err="1"/>
-              <a:t>codecarbon</a:t>
-            </a:r>
-            <a:endParaRPr kumimoji="1" lang="zh-CN" altLang="en-US" dirty="0"/>
-          </a:p>
-        </p:txBody>
-      </p:sp>
-      <p:sp>
-        <p:nvSpPr>
-          <p:cNvPr id="9" name="文本框 8">
-            <a:extLst>
-              <a:ext uri="{FF2B5EF4-FFF2-40B4-BE49-F238E27FC236}">
-                <a16:creationId xmlns:a16="http://schemas.microsoft.com/office/drawing/2014/main" id="{0FCF66F7-CB24-B59A-11AB-F752C78DBF82}"/>
-              </a:ext>
-            </a:extLst>
-          </p:cNvPr>
-          <p:cNvSpPr txBox="1"/>
-          <p:nvPr/>
-        </p:nvSpPr>
-        <p:spPr>
-          <a:xfrm>
-            <a:off x="669924" y="2004446"/>
-            <a:ext cx="7423827" cy="646331"/>
-          </a:xfrm>
-          <a:prstGeom prst="rect">
-            <a:avLst/>
-          </a:prstGeom>
-          <a:noFill/>
-        </p:spPr>
-        <p:txBody>
-          <a:bodyPr wrap="none" rtlCol="0">
-            <a:spAutoFit/>
-          </a:bodyPr>
-          <a:lstStyle/>
-          <a:p>
-            <a:r>
-              <a:rPr kumimoji="1" lang="en-US" altLang="zh-CN" dirty="0"/>
-              <a:t>Ratio between power result is 78.65/130 = 0.6506</a:t>
-            </a:r>
-          </a:p>
-          <a:p>
-            <a:r>
-              <a:rPr kumimoji="1" lang="en-US" altLang="zh-CN" dirty="0"/>
-              <a:t>Ratio between energy consumption result is 0.03275/0.05915 = 0.5537</a:t>
-            </a:r>
-            <a:endParaRPr kumimoji="1" lang="zh-CN" altLang="en-US" dirty="0"/>
-          </a:p>
-        </p:txBody>
-      </p:sp>
-      <p:pic>
-        <p:nvPicPr>
-          <p:cNvPr id="11" name="图片 10" descr="图形用户界面, 文本&#10;&#10;描述已自动生成">
-            <a:extLst>
-              <a:ext uri="{FF2B5EF4-FFF2-40B4-BE49-F238E27FC236}">
-                <a16:creationId xmlns:a16="http://schemas.microsoft.com/office/drawing/2014/main" id="{52DC0C0F-33EB-D61E-B66B-95A65C0543BE}"/>
-              </a:ext>
-            </a:extLst>
-          </p:cNvPr>
-          <p:cNvPicPr>
-            <a:picLocks noChangeAspect="1"/>
-          </p:cNvPicPr>
-          <p:nvPr/>
-        </p:nvPicPr>
-        <p:blipFill>
-          <a:blip r:embed="rId3">
-            <a:extLst>
-              <a:ext uri="{28A0092B-C50C-407E-A947-70E740481C1C}">
-                <a14:useLocalDpi xmlns:a14="http://schemas.microsoft.com/office/drawing/2010/main" val="0"/>
-              </a:ext>
-            </a:extLst>
-          </a:blip>
-          <a:stretch>
-            <a:fillRect/>
-          </a:stretch>
-        </p:blipFill>
-        <p:spPr>
-          <a:xfrm>
-            <a:off x="669924" y="3812573"/>
-            <a:ext cx="4229100" cy="2070100"/>
-          </a:xfrm>
-          <a:prstGeom prst="rect">
-            <a:avLst/>
-          </a:prstGeom>
-        </p:spPr>
-      </p:pic>
-      <p:cxnSp>
-        <p:nvCxnSpPr>
-          <p:cNvPr id="13" name="直线连接符 12">
-            <a:extLst>
-              <a:ext uri="{FF2B5EF4-FFF2-40B4-BE49-F238E27FC236}">
-                <a16:creationId xmlns:a16="http://schemas.microsoft.com/office/drawing/2014/main" id="{32773B86-BE32-B421-6E02-7B124BA12490}"/>
-              </a:ext>
-            </a:extLst>
-          </p:cNvPr>
-          <p:cNvCxnSpPr/>
-          <p:nvPr/>
-        </p:nvCxnSpPr>
-        <p:spPr>
-          <a:xfrm>
-            <a:off x="669924" y="3086100"/>
-            <a:ext cx="10631489" cy="0"/>
-          </a:xfrm>
-          <a:prstGeom prst="line">
-            <a:avLst/>
-          </a:prstGeom>
-        </p:spPr>
-        <p:style>
-          <a:lnRef idx="1">
-            <a:schemeClr val="accent1"/>
-          </a:lnRef>
-          <a:fillRef idx="0">
-            <a:schemeClr val="accent1"/>
-          </a:fillRef>
-          <a:effectRef idx="0">
-            <a:schemeClr val="accent1"/>
-          </a:effectRef>
-          <a:fontRef idx="minor">
-            <a:schemeClr val="tx1"/>
-          </a:fontRef>
-        </p:style>
-      </p:cxnSp>
-      <p:sp>
-        <p:nvSpPr>
-          <p:cNvPr id="14" name="文本框 13">
-            <a:extLst>
-              <a:ext uri="{FF2B5EF4-FFF2-40B4-BE49-F238E27FC236}">
-                <a16:creationId xmlns:a16="http://schemas.microsoft.com/office/drawing/2014/main" id="{B02FD2E1-006F-DFF0-3A95-6B9D1B7424C9}"/>
-              </a:ext>
-            </a:extLst>
-          </p:cNvPr>
-          <p:cNvSpPr txBox="1"/>
-          <p:nvPr/>
-        </p:nvSpPr>
-        <p:spPr>
-          <a:xfrm>
-            <a:off x="669924" y="3264671"/>
-            <a:ext cx="1928733" cy="369332"/>
-          </a:xfrm>
-          <a:prstGeom prst="rect">
-            <a:avLst/>
-          </a:prstGeom>
-          <a:noFill/>
-        </p:spPr>
-        <p:txBody>
-          <a:bodyPr wrap="none" rtlCol="0">
-            <a:spAutoFit/>
-          </a:bodyPr>
-          <a:lstStyle/>
-          <a:p>
-            <a:r>
-              <a:rPr kumimoji="1" lang="en-US" altLang="zh-CN" dirty="0"/>
-              <a:t>Idle consumption</a:t>
-            </a:r>
-            <a:endParaRPr kumimoji="1" lang="zh-CN" altLang="en-US" dirty="0"/>
-          </a:p>
-        </p:txBody>
-      </p:sp>
-      <p:pic>
-        <p:nvPicPr>
-          <p:cNvPr id="15" name="图片 14">
-            <a:extLst>
-              <a:ext uri="{FF2B5EF4-FFF2-40B4-BE49-F238E27FC236}">
-                <a16:creationId xmlns:a16="http://schemas.microsoft.com/office/drawing/2014/main" id="{DA9D3A40-3C98-9830-ABC1-2BB095A92648}"/>
-              </a:ext>
-            </a:extLst>
-          </p:cNvPr>
-          <p:cNvPicPr>
-            <a:picLocks noChangeAspect="1"/>
-          </p:cNvPicPr>
-          <p:nvPr/>
-        </p:nvPicPr>
-        <p:blipFill>
-          <a:blip r:embed="rId4"/>
-          <a:stretch>
-            <a:fillRect/>
-          </a:stretch>
-        </p:blipFill>
-        <p:spPr>
-          <a:xfrm>
-            <a:off x="5940615" y="3812573"/>
-            <a:ext cx="3922713" cy="2324979"/>
-          </a:xfrm>
-          <a:prstGeom prst="rect">
-            <a:avLst/>
-          </a:prstGeom>
-        </p:spPr>
-      </p:pic>
-      <p:pic>
-        <p:nvPicPr>
-          <p:cNvPr id="3" name="Google Shape;64;p1" descr="徽标&#10;&#10;描述已自动生成">
-            <a:extLst>
-              <a:ext uri="{FF2B5EF4-FFF2-40B4-BE49-F238E27FC236}">
-                <a16:creationId xmlns:a16="http://schemas.microsoft.com/office/drawing/2014/main" id="{C5DDBA85-B6C2-5E11-4B1D-D65AE1ABDFCC}"/>
-              </a:ext>
-            </a:extLst>
-          </p:cNvPr>
-          <p:cNvPicPr preferRelativeResize="0"/>
-          <p:nvPr/>
-        </p:nvPicPr>
-        <p:blipFill rotWithShape="1">
-          <a:blip r:embed="rId5">
-            <a:alphaModFix/>
-          </a:blip>
-          <a:srcRect/>
-          <a:stretch/>
-        </p:blipFill>
-        <p:spPr>
-          <a:xfrm>
-            <a:off x="9863328" y="1"/>
-            <a:ext cx="2328672" cy="1028700"/>
-          </a:xfrm>
-          <a:prstGeom prst="rect">
-            <a:avLst/>
-          </a:prstGeom>
-          <a:noFill/>
-          <a:ln>
-            <a:noFill/>
-          </a:ln>
-        </p:spPr>
-      </p:pic>
-    </p:spTree>
-    <p:extLst>
-      <p:ext uri="{BB962C8B-B14F-4D97-AF65-F5344CB8AC3E}">
-        <p14:creationId xmlns:p14="http://schemas.microsoft.com/office/powerpoint/2010/main" val="1203632395"/>
+        <p14:creationId xmlns:p14="http://schemas.microsoft.com/office/powerpoint/2010/main" val="3909460597"/>
       </p:ext>
     </p:extLst>
   </p:cSld>

--- a/presentation/3rd_presentation/GreenAI_3rd.pptx
+++ b/presentation/3rd_presentation/GreenAI_3rd.pptx
@@ -13,9 +13,9 @@
   </p:handoutMasterIdLst>
   <p:sldIdLst>
     <p:sldId id="256" r:id="rId3"/>
-    <p:sldId id="319" r:id="rId4"/>
+    <p:sldId id="381" r:id="rId4"/>
     <p:sldId id="317" r:id="rId5"/>
-    <p:sldId id="371" r:id="rId6"/>
+    <p:sldId id="380" r:id="rId6"/>
     <p:sldId id="353" r:id="rId7"/>
     <p:sldId id="372" r:id="rId8"/>
     <p:sldId id="374" r:id="rId9"/>
@@ -7712,8 +7712,28 @@
         <a:p>
           <a:pPr rtl="0"/>
           <a:r>
-            <a:rPr lang="en-US" sz="2400" dirty="0"/>
-            <a:t>Simulation results</a:t>
+            <a:rPr lang="en-US" sz="2400" b="0" dirty="0">
+              <a:solidFill>
+                <a:schemeClr val="bg1"/>
+              </a:solidFill>
+            </a:rPr>
+            <a:t>Simulation</a:t>
+          </a:r>
+          <a:r>
+            <a:rPr lang="en-US" sz="2400" b="1" dirty="0">
+              <a:solidFill>
+                <a:schemeClr val="tx1"/>
+              </a:solidFill>
+            </a:rPr>
+            <a:t> </a:t>
+          </a:r>
+          <a:r>
+            <a:rPr lang="en-US" sz="2400" b="1" dirty="0">
+              <a:solidFill>
+                <a:schemeClr val="bg1"/>
+              </a:solidFill>
+            </a:rPr>
+            <a:t>results</a:t>
           </a:r>
         </a:p>
       </dgm:t>
@@ -7740,6 +7760,51 @@
         </a:p>
       </dgm:t>
     </dgm:pt>
+    <dgm:pt modelId="{C57865FB-E721-7945-B102-3DC33349270D}">
+      <dgm:prSet custT="1"/>
+      <dgm:spPr/>
+      <dgm:t>
+        <a:bodyPr/>
+        <a:lstStyle/>
+        <a:p>
+          <a:r>
+            <a:rPr lang="en-US" altLang="zh-CN" sz="2400" b="0" dirty="0">
+              <a:solidFill>
+                <a:schemeClr val="bg1"/>
+              </a:solidFill>
+            </a:rPr>
+            <a:t>Next step</a:t>
+          </a:r>
+          <a:endParaRPr lang="zh-CN" altLang="en-US" sz="2400" b="0" dirty="0">
+            <a:solidFill>
+              <a:schemeClr val="bg1"/>
+            </a:solidFill>
+          </a:endParaRPr>
+        </a:p>
+      </dgm:t>
+    </dgm:pt>
+    <dgm:pt modelId="{9A35DC86-DC17-154F-B1AF-0AC1F2759487}" type="parTrans" cxnId="{037024FE-D194-2B4E-A276-D8CC4660EBA8}">
+      <dgm:prSet/>
+      <dgm:spPr/>
+      <dgm:t>
+        <a:bodyPr/>
+        <a:lstStyle/>
+        <a:p>
+          <a:endParaRPr lang="zh-CN" altLang="en-US"/>
+        </a:p>
+      </dgm:t>
+    </dgm:pt>
+    <dgm:pt modelId="{C576F9F8-F2BD-FF42-8A4C-B1C10B4A8948}" type="sibTrans" cxnId="{037024FE-D194-2B4E-A276-D8CC4660EBA8}">
+      <dgm:prSet/>
+      <dgm:spPr/>
+      <dgm:t>
+        <a:bodyPr/>
+        <a:lstStyle/>
+        <a:p>
+          <a:endParaRPr lang="zh-CN" altLang="en-US"/>
+        </a:p>
+      </dgm:t>
+    </dgm:pt>
     <dgm:pt modelId="{95FEDCAD-8145-3649-B402-FC9EF335529F}" type="pres">
       <dgm:prSet presAssocID="{07C71F93-A4DB-4FC6-87BB-FBF82839AB91}" presName="linear" presStyleCnt="0">
         <dgm:presLayoutVars>
@@ -7755,11 +7820,11 @@
       <dgm:spPr/>
     </dgm:pt>
     <dgm:pt modelId="{78FB6F6A-1397-F140-B94C-47B74E40DA7D}" type="pres">
-      <dgm:prSet presAssocID="{D0F52225-D323-4805-89C5-374A5AABBCCB}" presName="parentLeftMargin" presStyleLbl="node1" presStyleIdx="0" presStyleCnt="2"/>
+      <dgm:prSet presAssocID="{D0F52225-D323-4805-89C5-374A5AABBCCB}" presName="parentLeftMargin" presStyleLbl="node1" presStyleIdx="0" presStyleCnt="3"/>
       <dgm:spPr/>
     </dgm:pt>
     <dgm:pt modelId="{4DE260E5-B794-E44D-9A9E-F4D646D8E5A7}" type="pres">
-      <dgm:prSet presAssocID="{D0F52225-D323-4805-89C5-374A5AABBCCB}" presName="parentText" presStyleLbl="node1" presStyleIdx="0" presStyleCnt="2" custScaleX="109373">
+      <dgm:prSet presAssocID="{D0F52225-D323-4805-89C5-374A5AABBCCB}" presName="parentText" presStyleLbl="node1" presStyleIdx="0" presStyleCnt="3" custScaleX="109373">
         <dgm:presLayoutVars>
           <dgm:chMax val="0"/>
           <dgm:bulletEnabled val="1"/>
@@ -7772,7 +7837,7 @@
       <dgm:spPr/>
     </dgm:pt>
     <dgm:pt modelId="{AE644DA1-FB96-AD46-9351-A63F15BA70E1}" type="pres">
-      <dgm:prSet presAssocID="{D0F52225-D323-4805-89C5-374A5AABBCCB}" presName="childText" presStyleLbl="conFgAcc1" presStyleIdx="0" presStyleCnt="2">
+      <dgm:prSet presAssocID="{D0F52225-D323-4805-89C5-374A5AABBCCB}" presName="childText" presStyleLbl="conFgAcc1" presStyleIdx="0" presStyleCnt="3">
         <dgm:presLayoutVars>
           <dgm:bulletEnabled val="1"/>
         </dgm:presLayoutVars>
@@ -7788,11 +7853,11 @@
       <dgm:spPr/>
     </dgm:pt>
     <dgm:pt modelId="{8E7DFE44-18B9-5542-A26A-529A2B7CC0D4}" type="pres">
-      <dgm:prSet presAssocID="{8093CCB2-55DC-4C87-97D5-8D34688771A4}" presName="parentLeftMargin" presStyleLbl="node1" presStyleIdx="0" presStyleCnt="2"/>
+      <dgm:prSet presAssocID="{8093CCB2-55DC-4C87-97D5-8D34688771A4}" presName="parentLeftMargin" presStyleLbl="node1" presStyleIdx="0" presStyleCnt="3"/>
       <dgm:spPr/>
     </dgm:pt>
     <dgm:pt modelId="{B6A18748-4148-D347-BCCA-B76C98FAD828}" type="pres">
-      <dgm:prSet presAssocID="{8093CCB2-55DC-4C87-97D5-8D34688771A4}" presName="parentText" presStyleLbl="node1" presStyleIdx="1" presStyleCnt="2" custScaleX="110055" custLinFactNeighborX="-3647" custLinFactNeighborY="1574">
+      <dgm:prSet presAssocID="{8093CCB2-55DC-4C87-97D5-8D34688771A4}" presName="parentText" presStyleLbl="node1" presStyleIdx="1" presStyleCnt="3" custScaleX="110055" custLinFactNeighborX="-3647" custLinFactNeighborY="1574">
         <dgm:presLayoutVars>
           <dgm:chMax val="0"/>
           <dgm:bulletEnabled val="1"/>
@@ -7805,7 +7870,40 @@
       <dgm:spPr/>
     </dgm:pt>
     <dgm:pt modelId="{5CB3B87C-1EFC-DB45-96D0-47D3B8976425}" type="pres">
-      <dgm:prSet presAssocID="{8093CCB2-55DC-4C87-97D5-8D34688771A4}" presName="childText" presStyleLbl="conFgAcc1" presStyleIdx="1" presStyleCnt="2">
+      <dgm:prSet presAssocID="{8093CCB2-55DC-4C87-97D5-8D34688771A4}" presName="childText" presStyleLbl="conFgAcc1" presStyleIdx="1" presStyleCnt="3">
+        <dgm:presLayoutVars>
+          <dgm:bulletEnabled val="1"/>
+        </dgm:presLayoutVars>
+      </dgm:prSet>
+      <dgm:spPr/>
+    </dgm:pt>
+    <dgm:pt modelId="{415E2F08-92B7-214A-8A08-7681F11E3C3C}" type="pres">
+      <dgm:prSet presAssocID="{F21521B6-AC66-4DDA-9A93-EEAD2430B253}" presName="spaceBetweenRectangles" presStyleCnt="0"/>
+      <dgm:spPr/>
+    </dgm:pt>
+    <dgm:pt modelId="{E5EBF621-431F-2040-9E07-972112987871}" type="pres">
+      <dgm:prSet presAssocID="{C57865FB-E721-7945-B102-3DC33349270D}" presName="parentLin" presStyleCnt="0"/>
+      <dgm:spPr/>
+    </dgm:pt>
+    <dgm:pt modelId="{65084150-2F68-C141-8C2B-24AF60D18C12}" type="pres">
+      <dgm:prSet presAssocID="{C57865FB-E721-7945-B102-3DC33349270D}" presName="parentLeftMargin" presStyleLbl="node1" presStyleIdx="1" presStyleCnt="3"/>
+      <dgm:spPr/>
+    </dgm:pt>
+    <dgm:pt modelId="{78AE5B93-8DEE-704B-86F8-D2CF2AA0493D}" type="pres">
+      <dgm:prSet presAssocID="{C57865FB-E721-7945-B102-3DC33349270D}" presName="parentText" presStyleLbl="node1" presStyleIdx="2" presStyleCnt="3">
+        <dgm:presLayoutVars>
+          <dgm:chMax val="0"/>
+          <dgm:bulletEnabled val="1"/>
+        </dgm:presLayoutVars>
+      </dgm:prSet>
+      <dgm:spPr/>
+    </dgm:pt>
+    <dgm:pt modelId="{B6686C0D-63B6-1C4D-8CBC-1E8ED6E354C9}" type="pres">
+      <dgm:prSet presAssocID="{C57865FB-E721-7945-B102-3DC33349270D}" presName="negativeSpace" presStyleCnt="0"/>
+      <dgm:spPr/>
+    </dgm:pt>
+    <dgm:pt modelId="{5A72D70B-95A3-FE4A-9803-85FD746B2080}" type="pres">
+      <dgm:prSet presAssocID="{C57865FB-E721-7945-B102-3DC33349270D}" presName="childText" presStyleLbl="conFgAcc1" presStyleIdx="2" presStyleCnt="3">
         <dgm:presLayoutVars>
           <dgm:bulletEnabled val="1"/>
         </dgm:presLayoutVars>
@@ -7814,13 +7912,16 @@
     </dgm:pt>
   </dgm:ptLst>
   <dgm:cxnLst>
+    <dgm:cxn modelId="{7DBF5911-B5DB-2746-B406-0CD9014D7775}" type="presOf" srcId="{C57865FB-E721-7945-B102-3DC33349270D}" destId="{65084150-2F68-C141-8C2B-24AF60D18C12}" srcOrd="0" destOrd="0" presId="urn:microsoft.com/office/officeart/2005/8/layout/list1"/>
     <dgm:cxn modelId="{335BE521-C3FC-436B-8105-3AD92E6AA8DC}" srcId="{07C71F93-A4DB-4FC6-87BB-FBF82839AB91}" destId="{8093CCB2-55DC-4C87-97D5-8D34688771A4}" srcOrd="1" destOrd="0" parTransId="{8A6B0E2F-8DF3-4543-B81B-E86324849590}" sibTransId="{F21521B6-AC66-4DDA-9A93-EEAD2430B253}"/>
     <dgm:cxn modelId="{C4EA6548-550B-404E-B8F8-8ECFC72D157B}" type="presOf" srcId="{D0F52225-D323-4805-89C5-374A5AABBCCB}" destId="{4DE260E5-B794-E44D-9A9E-F4D646D8E5A7}" srcOrd="1" destOrd="0" presId="urn:microsoft.com/office/officeart/2005/8/layout/list1"/>
     <dgm:cxn modelId="{C341B261-E329-4A12-A018-15B679D0BEF7}" srcId="{07C71F93-A4DB-4FC6-87BB-FBF82839AB91}" destId="{D0F52225-D323-4805-89C5-374A5AABBCCB}" srcOrd="0" destOrd="0" parTransId="{F351F9F4-8505-421F-8DBA-D7009F735DE3}" sibTransId="{5E4FD710-04CD-4CB1-AB1C-15ECC322A7E8}"/>
     <dgm:cxn modelId="{603E4066-7846-C547-9167-0CA66B2D6B56}" type="presOf" srcId="{8093CCB2-55DC-4C87-97D5-8D34688771A4}" destId="{B6A18748-4148-D347-BCCA-B76C98FAD828}" srcOrd="1" destOrd="0" presId="urn:microsoft.com/office/officeart/2005/8/layout/list1"/>
     <dgm:cxn modelId="{1DA52795-F090-E543-B89B-238FBBABFB29}" type="presOf" srcId="{8093CCB2-55DC-4C87-97D5-8D34688771A4}" destId="{8E7DFE44-18B9-5542-A26A-529A2B7CC0D4}" srcOrd="0" destOrd="0" presId="urn:microsoft.com/office/officeart/2005/8/layout/list1"/>
     <dgm:cxn modelId="{266CB7AC-0AE7-874F-97EE-515AF282CAE0}" type="presOf" srcId="{D0F52225-D323-4805-89C5-374A5AABBCCB}" destId="{78FB6F6A-1397-F140-B94C-47B74E40DA7D}" srcOrd="0" destOrd="0" presId="urn:microsoft.com/office/officeart/2005/8/layout/list1"/>
+    <dgm:cxn modelId="{AE1CDEE2-536C-0145-A908-7A019D126BAF}" type="presOf" srcId="{C57865FB-E721-7945-B102-3DC33349270D}" destId="{78AE5B93-8DEE-704B-86F8-D2CF2AA0493D}" srcOrd="1" destOrd="0" presId="urn:microsoft.com/office/officeart/2005/8/layout/list1"/>
     <dgm:cxn modelId="{E89F3BE7-EA2E-2F4C-8848-E34AD2845008}" type="presOf" srcId="{07C71F93-A4DB-4FC6-87BB-FBF82839AB91}" destId="{95FEDCAD-8145-3649-B402-FC9EF335529F}" srcOrd="0" destOrd="0" presId="urn:microsoft.com/office/officeart/2005/8/layout/list1"/>
+    <dgm:cxn modelId="{037024FE-D194-2B4E-A276-D8CC4660EBA8}" srcId="{07C71F93-A4DB-4FC6-87BB-FBF82839AB91}" destId="{C57865FB-E721-7945-B102-3DC33349270D}" srcOrd="2" destOrd="0" parTransId="{9A35DC86-DC17-154F-B1AF-0AC1F2759487}" sibTransId="{C576F9F8-F2BD-FF42-8A4C-B1C10B4A8948}"/>
     <dgm:cxn modelId="{213A9FB2-32F1-5047-B81D-6574291F9429}" type="presParOf" srcId="{95FEDCAD-8145-3649-B402-FC9EF335529F}" destId="{66C11FC2-6F36-1543-98DC-419DEE827990}" srcOrd="0" destOrd="0" presId="urn:microsoft.com/office/officeart/2005/8/layout/list1"/>
     <dgm:cxn modelId="{650BFF32-41F4-BA44-9B0B-9F7096A6C19D}" type="presParOf" srcId="{66C11FC2-6F36-1543-98DC-419DEE827990}" destId="{78FB6F6A-1397-F140-B94C-47B74E40DA7D}" srcOrd="0" destOrd="0" presId="urn:microsoft.com/office/officeart/2005/8/layout/list1"/>
     <dgm:cxn modelId="{A5611508-08ED-084A-809F-C22589D62F57}" type="presParOf" srcId="{66C11FC2-6F36-1543-98DC-419DEE827990}" destId="{4DE260E5-B794-E44D-9A9E-F4D646D8E5A7}" srcOrd="1" destOrd="0" presId="urn:microsoft.com/office/officeart/2005/8/layout/list1"/>
@@ -7832,6 +7933,12 @@
     <dgm:cxn modelId="{6608A715-A98E-494B-AFF2-6983DCE5D3C2}" type="presParOf" srcId="{C1338FF5-565A-0A41-95FF-786B007F3862}" destId="{B6A18748-4148-D347-BCCA-B76C98FAD828}" srcOrd="1" destOrd="0" presId="urn:microsoft.com/office/officeart/2005/8/layout/list1"/>
     <dgm:cxn modelId="{E850745B-8A38-BF42-8BF7-952F991E1CE5}" type="presParOf" srcId="{95FEDCAD-8145-3649-B402-FC9EF335529F}" destId="{CB3AA200-91F3-EF4A-95EB-6F5836F2731C}" srcOrd="5" destOrd="0" presId="urn:microsoft.com/office/officeart/2005/8/layout/list1"/>
     <dgm:cxn modelId="{821C1AC0-5610-A54D-BC0B-BFA13111D7FF}" type="presParOf" srcId="{95FEDCAD-8145-3649-B402-FC9EF335529F}" destId="{5CB3B87C-1EFC-DB45-96D0-47D3B8976425}" srcOrd="6" destOrd="0" presId="urn:microsoft.com/office/officeart/2005/8/layout/list1"/>
+    <dgm:cxn modelId="{E2B85E6B-EAA8-EA4D-B554-4197A860A2BA}" type="presParOf" srcId="{95FEDCAD-8145-3649-B402-FC9EF335529F}" destId="{415E2F08-92B7-214A-8A08-7681F11E3C3C}" srcOrd="7" destOrd="0" presId="urn:microsoft.com/office/officeart/2005/8/layout/list1"/>
+    <dgm:cxn modelId="{695A3246-0C7E-5F43-A816-D544D5CA4EDF}" type="presParOf" srcId="{95FEDCAD-8145-3649-B402-FC9EF335529F}" destId="{E5EBF621-431F-2040-9E07-972112987871}" srcOrd="8" destOrd="0" presId="urn:microsoft.com/office/officeart/2005/8/layout/list1"/>
+    <dgm:cxn modelId="{7F445E3A-49A7-014A-97CF-5F36A5C49285}" type="presParOf" srcId="{E5EBF621-431F-2040-9E07-972112987871}" destId="{65084150-2F68-C141-8C2B-24AF60D18C12}" srcOrd="0" destOrd="0" presId="urn:microsoft.com/office/officeart/2005/8/layout/list1"/>
+    <dgm:cxn modelId="{FF95F732-05A5-C845-A33F-B6C918B78F8B}" type="presParOf" srcId="{E5EBF621-431F-2040-9E07-972112987871}" destId="{78AE5B93-8DEE-704B-86F8-D2CF2AA0493D}" srcOrd="1" destOrd="0" presId="urn:microsoft.com/office/officeart/2005/8/layout/list1"/>
+    <dgm:cxn modelId="{33819322-70A7-5941-B7CE-625FB3A56B6E}" type="presParOf" srcId="{95FEDCAD-8145-3649-B402-FC9EF335529F}" destId="{B6686C0D-63B6-1C4D-8CBC-1E8ED6E354C9}" srcOrd="9" destOrd="0" presId="urn:microsoft.com/office/officeart/2005/8/layout/list1"/>
+    <dgm:cxn modelId="{B2AEBA68-0DDC-2041-9C53-4F0CD8239C1D}" type="presParOf" srcId="{95FEDCAD-8145-3649-B402-FC9EF335529F}" destId="{5A72D70B-95A3-FE4A-9803-85FD746B2080}" srcOrd="10" destOrd="0" presId="urn:microsoft.com/office/officeart/2005/8/layout/list1"/>
   </dgm:cxnLst>
   <dgm:bg/>
   <dgm:whole/>
@@ -7871,7 +7978,7 @@
                 <a:schemeClr val="bg1"/>
               </a:solidFill>
             </a:rPr>
-            <a:t>Last time question </a:t>
+            <a:t>Last time</a:t>
           </a:r>
         </a:p>
       </dgm:t>
@@ -7939,6 +8046,51 @@
         </a:p>
       </dgm:t>
     </dgm:pt>
+    <dgm:pt modelId="{C57865FB-E721-7945-B102-3DC33349270D}">
+      <dgm:prSet custT="1"/>
+      <dgm:spPr/>
+      <dgm:t>
+        <a:bodyPr/>
+        <a:lstStyle/>
+        <a:p>
+          <a:r>
+            <a:rPr lang="en-US" altLang="zh-CN" sz="2400" b="0" dirty="0">
+              <a:solidFill>
+                <a:schemeClr val="bg1"/>
+              </a:solidFill>
+            </a:rPr>
+            <a:t>Next step</a:t>
+          </a:r>
+          <a:endParaRPr lang="zh-CN" altLang="en-US" sz="2400" b="0" dirty="0">
+            <a:solidFill>
+              <a:schemeClr val="bg1"/>
+            </a:solidFill>
+          </a:endParaRPr>
+        </a:p>
+      </dgm:t>
+    </dgm:pt>
+    <dgm:pt modelId="{9A35DC86-DC17-154F-B1AF-0AC1F2759487}" type="parTrans" cxnId="{037024FE-D194-2B4E-A276-D8CC4660EBA8}">
+      <dgm:prSet/>
+      <dgm:spPr/>
+      <dgm:t>
+        <a:bodyPr/>
+        <a:lstStyle/>
+        <a:p>
+          <a:endParaRPr lang="zh-CN" altLang="en-US"/>
+        </a:p>
+      </dgm:t>
+    </dgm:pt>
+    <dgm:pt modelId="{C576F9F8-F2BD-FF42-8A4C-B1C10B4A8948}" type="sibTrans" cxnId="{037024FE-D194-2B4E-A276-D8CC4660EBA8}">
+      <dgm:prSet/>
+      <dgm:spPr/>
+      <dgm:t>
+        <a:bodyPr/>
+        <a:lstStyle/>
+        <a:p>
+          <a:endParaRPr lang="zh-CN" altLang="en-US"/>
+        </a:p>
+      </dgm:t>
+    </dgm:pt>
     <dgm:pt modelId="{95FEDCAD-8145-3649-B402-FC9EF335529F}" type="pres">
       <dgm:prSet presAssocID="{07C71F93-A4DB-4FC6-87BB-FBF82839AB91}" presName="linear" presStyleCnt="0">
         <dgm:presLayoutVars>
@@ -7954,11 +8106,11 @@
       <dgm:spPr/>
     </dgm:pt>
     <dgm:pt modelId="{78FB6F6A-1397-F140-B94C-47B74E40DA7D}" type="pres">
-      <dgm:prSet presAssocID="{D0F52225-D323-4805-89C5-374A5AABBCCB}" presName="parentLeftMargin" presStyleLbl="node1" presStyleIdx="0" presStyleCnt="2"/>
+      <dgm:prSet presAssocID="{D0F52225-D323-4805-89C5-374A5AABBCCB}" presName="parentLeftMargin" presStyleLbl="node1" presStyleIdx="0" presStyleCnt="3"/>
       <dgm:spPr/>
     </dgm:pt>
     <dgm:pt modelId="{4DE260E5-B794-E44D-9A9E-F4D646D8E5A7}" type="pres">
-      <dgm:prSet presAssocID="{D0F52225-D323-4805-89C5-374A5AABBCCB}" presName="parentText" presStyleLbl="node1" presStyleIdx="0" presStyleCnt="2" custScaleX="109373">
+      <dgm:prSet presAssocID="{D0F52225-D323-4805-89C5-374A5AABBCCB}" presName="parentText" presStyleLbl="node1" presStyleIdx="0" presStyleCnt="3" custScaleX="109373">
         <dgm:presLayoutVars>
           <dgm:chMax val="0"/>
           <dgm:bulletEnabled val="1"/>
@@ -7971,7 +8123,7 @@
       <dgm:spPr/>
     </dgm:pt>
     <dgm:pt modelId="{AE644DA1-FB96-AD46-9351-A63F15BA70E1}" type="pres">
-      <dgm:prSet presAssocID="{D0F52225-D323-4805-89C5-374A5AABBCCB}" presName="childText" presStyleLbl="conFgAcc1" presStyleIdx="0" presStyleCnt="2">
+      <dgm:prSet presAssocID="{D0F52225-D323-4805-89C5-374A5AABBCCB}" presName="childText" presStyleLbl="conFgAcc1" presStyleIdx="0" presStyleCnt="3">
         <dgm:presLayoutVars>
           <dgm:bulletEnabled val="1"/>
         </dgm:presLayoutVars>
@@ -7987,11 +8139,11 @@
       <dgm:spPr/>
     </dgm:pt>
     <dgm:pt modelId="{8E7DFE44-18B9-5542-A26A-529A2B7CC0D4}" type="pres">
-      <dgm:prSet presAssocID="{8093CCB2-55DC-4C87-97D5-8D34688771A4}" presName="parentLeftMargin" presStyleLbl="node1" presStyleIdx="0" presStyleCnt="2"/>
+      <dgm:prSet presAssocID="{8093CCB2-55DC-4C87-97D5-8D34688771A4}" presName="parentLeftMargin" presStyleLbl="node1" presStyleIdx="0" presStyleCnt="3"/>
       <dgm:spPr/>
     </dgm:pt>
     <dgm:pt modelId="{B6A18748-4148-D347-BCCA-B76C98FAD828}" type="pres">
-      <dgm:prSet presAssocID="{8093CCB2-55DC-4C87-97D5-8D34688771A4}" presName="parentText" presStyleLbl="node1" presStyleIdx="1" presStyleCnt="2" custScaleX="110055" custLinFactNeighborX="-3647" custLinFactNeighborY="1574">
+      <dgm:prSet presAssocID="{8093CCB2-55DC-4C87-97D5-8D34688771A4}" presName="parentText" presStyleLbl="node1" presStyleIdx="1" presStyleCnt="3" custScaleX="110055" custLinFactNeighborX="-3647" custLinFactNeighborY="1574">
         <dgm:presLayoutVars>
           <dgm:chMax val="0"/>
           <dgm:bulletEnabled val="1"/>
@@ -8004,7 +8156,40 @@
       <dgm:spPr/>
     </dgm:pt>
     <dgm:pt modelId="{5CB3B87C-1EFC-DB45-96D0-47D3B8976425}" type="pres">
-      <dgm:prSet presAssocID="{8093CCB2-55DC-4C87-97D5-8D34688771A4}" presName="childText" presStyleLbl="conFgAcc1" presStyleIdx="1" presStyleCnt="2">
+      <dgm:prSet presAssocID="{8093CCB2-55DC-4C87-97D5-8D34688771A4}" presName="childText" presStyleLbl="conFgAcc1" presStyleIdx="1" presStyleCnt="3">
+        <dgm:presLayoutVars>
+          <dgm:bulletEnabled val="1"/>
+        </dgm:presLayoutVars>
+      </dgm:prSet>
+      <dgm:spPr/>
+    </dgm:pt>
+    <dgm:pt modelId="{415E2F08-92B7-214A-8A08-7681F11E3C3C}" type="pres">
+      <dgm:prSet presAssocID="{F21521B6-AC66-4DDA-9A93-EEAD2430B253}" presName="spaceBetweenRectangles" presStyleCnt="0"/>
+      <dgm:spPr/>
+    </dgm:pt>
+    <dgm:pt modelId="{E5EBF621-431F-2040-9E07-972112987871}" type="pres">
+      <dgm:prSet presAssocID="{C57865FB-E721-7945-B102-3DC33349270D}" presName="parentLin" presStyleCnt="0"/>
+      <dgm:spPr/>
+    </dgm:pt>
+    <dgm:pt modelId="{65084150-2F68-C141-8C2B-24AF60D18C12}" type="pres">
+      <dgm:prSet presAssocID="{C57865FB-E721-7945-B102-3DC33349270D}" presName="parentLeftMargin" presStyleLbl="node1" presStyleIdx="1" presStyleCnt="3"/>
+      <dgm:spPr/>
+    </dgm:pt>
+    <dgm:pt modelId="{78AE5B93-8DEE-704B-86F8-D2CF2AA0493D}" type="pres">
+      <dgm:prSet presAssocID="{C57865FB-E721-7945-B102-3DC33349270D}" presName="parentText" presStyleLbl="node1" presStyleIdx="2" presStyleCnt="3">
+        <dgm:presLayoutVars>
+          <dgm:chMax val="0"/>
+          <dgm:bulletEnabled val="1"/>
+        </dgm:presLayoutVars>
+      </dgm:prSet>
+      <dgm:spPr/>
+    </dgm:pt>
+    <dgm:pt modelId="{B6686C0D-63B6-1C4D-8CBC-1E8ED6E354C9}" type="pres">
+      <dgm:prSet presAssocID="{C57865FB-E721-7945-B102-3DC33349270D}" presName="negativeSpace" presStyleCnt="0"/>
+      <dgm:spPr/>
+    </dgm:pt>
+    <dgm:pt modelId="{5A72D70B-95A3-FE4A-9803-85FD746B2080}" type="pres">
+      <dgm:prSet presAssocID="{C57865FB-E721-7945-B102-3DC33349270D}" presName="childText" presStyleLbl="conFgAcc1" presStyleIdx="2" presStyleCnt="3">
         <dgm:presLayoutVars>
           <dgm:bulletEnabled val="1"/>
         </dgm:presLayoutVars>
@@ -8013,13 +8198,16 @@
     </dgm:pt>
   </dgm:ptLst>
   <dgm:cxnLst>
+    <dgm:cxn modelId="{7DBF5911-B5DB-2746-B406-0CD9014D7775}" type="presOf" srcId="{C57865FB-E721-7945-B102-3DC33349270D}" destId="{65084150-2F68-C141-8C2B-24AF60D18C12}" srcOrd="0" destOrd="0" presId="urn:microsoft.com/office/officeart/2005/8/layout/list1"/>
     <dgm:cxn modelId="{335BE521-C3FC-436B-8105-3AD92E6AA8DC}" srcId="{07C71F93-A4DB-4FC6-87BB-FBF82839AB91}" destId="{8093CCB2-55DC-4C87-97D5-8D34688771A4}" srcOrd="1" destOrd="0" parTransId="{8A6B0E2F-8DF3-4543-B81B-E86324849590}" sibTransId="{F21521B6-AC66-4DDA-9A93-EEAD2430B253}"/>
     <dgm:cxn modelId="{C4EA6548-550B-404E-B8F8-8ECFC72D157B}" type="presOf" srcId="{D0F52225-D323-4805-89C5-374A5AABBCCB}" destId="{4DE260E5-B794-E44D-9A9E-F4D646D8E5A7}" srcOrd="1" destOrd="0" presId="urn:microsoft.com/office/officeart/2005/8/layout/list1"/>
     <dgm:cxn modelId="{C341B261-E329-4A12-A018-15B679D0BEF7}" srcId="{07C71F93-A4DB-4FC6-87BB-FBF82839AB91}" destId="{D0F52225-D323-4805-89C5-374A5AABBCCB}" srcOrd="0" destOrd="0" parTransId="{F351F9F4-8505-421F-8DBA-D7009F735DE3}" sibTransId="{5E4FD710-04CD-4CB1-AB1C-15ECC322A7E8}"/>
     <dgm:cxn modelId="{603E4066-7846-C547-9167-0CA66B2D6B56}" type="presOf" srcId="{8093CCB2-55DC-4C87-97D5-8D34688771A4}" destId="{B6A18748-4148-D347-BCCA-B76C98FAD828}" srcOrd="1" destOrd="0" presId="urn:microsoft.com/office/officeart/2005/8/layout/list1"/>
     <dgm:cxn modelId="{1DA52795-F090-E543-B89B-238FBBABFB29}" type="presOf" srcId="{8093CCB2-55DC-4C87-97D5-8D34688771A4}" destId="{8E7DFE44-18B9-5542-A26A-529A2B7CC0D4}" srcOrd="0" destOrd="0" presId="urn:microsoft.com/office/officeart/2005/8/layout/list1"/>
     <dgm:cxn modelId="{266CB7AC-0AE7-874F-97EE-515AF282CAE0}" type="presOf" srcId="{D0F52225-D323-4805-89C5-374A5AABBCCB}" destId="{78FB6F6A-1397-F140-B94C-47B74E40DA7D}" srcOrd="0" destOrd="0" presId="urn:microsoft.com/office/officeart/2005/8/layout/list1"/>
+    <dgm:cxn modelId="{AE1CDEE2-536C-0145-A908-7A019D126BAF}" type="presOf" srcId="{C57865FB-E721-7945-B102-3DC33349270D}" destId="{78AE5B93-8DEE-704B-86F8-D2CF2AA0493D}" srcOrd="1" destOrd="0" presId="urn:microsoft.com/office/officeart/2005/8/layout/list1"/>
     <dgm:cxn modelId="{E89F3BE7-EA2E-2F4C-8848-E34AD2845008}" type="presOf" srcId="{07C71F93-A4DB-4FC6-87BB-FBF82839AB91}" destId="{95FEDCAD-8145-3649-B402-FC9EF335529F}" srcOrd="0" destOrd="0" presId="urn:microsoft.com/office/officeart/2005/8/layout/list1"/>
+    <dgm:cxn modelId="{037024FE-D194-2B4E-A276-D8CC4660EBA8}" srcId="{07C71F93-A4DB-4FC6-87BB-FBF82839AB91}" destId="{C57865FB-E721-7945-B102-3DC33349270D}" srcOrd="2" destOrd="0" parTransId="{9A35DC86-DC17-154F-B1AF-0AC1F2759487}" sibTransId="{C576F9F8-F2BD-FF42-8A4C-B1C10B4A8948}"/>
     <dgm:cxn modelId="{213A9FB2-32F1-5047-B81D-6574291F9429}" type="presParOf" srcId="{95FEDCAD-8145-3649-B402-FC9EF335529F}" destId="{66C11FC2-6F36-1543-98DC-419DEE827990}" srcOrd="0" destOrd="0" presId="urn:microsoft.com/office/officeart/2005/8/layout/list1"/>
     <dgm:cxn modelId="{650BFF32-41F4-BA44-9B0B-9F7096A6C19D}" type="presParOf" srcId="{66C11FC2-6F36-1543-98DC-419DEE827990}" destId="{78FB6F6A-1397-F140-B94C-47B74E40DA7D}" srcOrd="0" destOrd="0" presId="urn:microsoft.com/office/officeart/2005/8/layout/list1"/>
     <dgm:cxn modelId="{A5611508-08ED-084A-809F-C22589D62F57}" type="presParOf" srcId="{66C11FC2-6F36-1543-98DC-419DEE827990}" destId="{4DE260E5-B794-E44D-9A9E-F4D646D8E5A7}" srcOrd="1" destOrd="0" presId="urn:microsoft.com/office/officeart/2005/8/layout/list1"/>
@@ -8031,6 +8219,12 @@
     <dgm:cxn modelId="{6608A715-A98E-494B-AFF2-6983DCE5D3C2}" type="presParOf" srcId="{C1338FF5-565A-0A41-95FF-786B007F3862}" destId="{B6A18748-4148-D347-BCCA-B76C98FAD828}" srcOrd="1" destOrd="0" presId="urn:microsoft.com/office/officeart/2005/8/layout/list1"/>
     <dgm:cxn modelId="{E850745B-8A38-BF42-8BF7-952F991E1CE5}" type="presParOf" srcId="{95FEDCAD-8145-3649-B402-FC9EF335529F}" destId="{CB3AA200-91F3-EF4A-95EB-6F5836F2731C}" srcOrd="5" destOrd="0" presId="urn:microsoft.com/office/officeart/2005/8/layout/list1"/>
     <dgm:cxn modelId="{821C1AC0-5610-A54D-BC0B-BFA13111D7FF}" type="presParOf" srcId="{95FEDCAD-8145-3649-B402-FC9EF335529F}" destId="{5CB3B87C-1EFC-DB45-96D0-47D3B8976425}" srcOrd="6" destOrd="0" presId="urn:microsoft.com/office/officeart/2005/8/layout/list1"/>
+    <dgm:cxn modelId="{E2B85E6B-EAA8-EA4D-B554-4197A860A2BA}" type="presParOf" srcId="{95FEDCAD-8145-3649-B402-FC9EF335529F}" destId="{415E2F08-92B7-214A-8A08-7681F11E3C3C}" srcOrd="7" destOrd="0" presId="urn:microsoft.com/office/officeart/2005/8/layout/list1"/>
+    <dgm:cxn modelId="{695A3246-0C7E-5F43-A816-D544D5CA4EDF}" type="presParOf" srcId="{95FEDCAD-8145-3649-B402-FC9EF335529F}" destId="{E5EBF621-431F-2040-9E07-972112987871}" srcOrd="8" destOrd="0" presId="urn:microsoft.com/office/officeart/2005/8/layout/list1"/>
+    <dgm:cxn modelId="{7F445E3A-49A7-014A-97CF-5F36A5C49285}" type="presParOf" srcId="{E5EBF621-431F-2040-9E07-972112987871}" destId="{65084150-2F68-C141-8C2B-24AF60D18C12}" srcOrd="0" destOrd="0" presId="urn:microsoft.com/office/officeart/2005/8/layout/list1"/>
+    <dgm:cxn modelId="{FF95F732-05A5-C845-A33F-B6C918B78F8B}" type="presParOf" srcId="{E5EBF621-431F-2040-9E07-972112987871}" destId="{78AE5B93-8DEE-704B-86F8-D2CF2AA0493D}" srcOrd="1" destOrd="0" presId="urn:microsoft.com/office/officeart/2005/8/layout/list1"/>
+    <dgm:cxn modelId="{33819322-70A7-5941-B7CE-625FB3A56B6E}" type="presParOf" srcId="{95FEDCAD-8145-3649-B402-FC9EF335529F}" destId="{B6686C0D-63B6-1C4D-8CBC-1E8ED6E354C9}" srcOrd="9" destOrd="0" presId="urn:microsoft.com/office/officeart/2005/8/layout/list1"/>
+    <dgm:cxn modelId="{B2AEBA68-0DDC-2041-9C53-4F0CD8239C1D}" type="presParOf" srcId="{95FEDCAD-8145-3649-B402-FC9EF335529F}" destId="{5A72D70B-95A3-FE4A-9803-85FD746B2080}" srcOrd="10" destOrd="0" presId="urn:microsoft.com/office/officeart/2005/8/layout/list1"/>
   </dgm:cxnLst>
   <dgm:bg/>
   <dgm:whole/>
@@ -8065,18 +8259,13 @@
         <a:p>
           <a:pPr rtl="0"/>
           <a:r>
-            <a:rPr lang="en-US" sz="2400" b="0">
+            <a:rPr lang="en-US" sz="2400" b="0" dirty="0">
               <a:solidFill>
                 <a:schemeClr val="bg1"/>
               </a:solidFill>
             </a:rPr>
             <a:t>Last time</a:t>
           </a:r>
-          <a:endParaRPr lang="en-US" sz="2400" b="0" dirty="0">
-            <a:solidFill>
-              <a:schemeClr val="bg1"/>
-            </a:solidFill>
-          </a:endParaRPr>
         </a:p>
       </dgm:t>
     </dgm:pt>
@@ -8348,8 +8537,8 @@
       </dsp:nvSpPr>
       <dsp:spPr>
         <a:xfrm>
-          <a:off x="0" y="752769"/>
-          <a:ext cx="10515600" cy="1285199"/>
+          <a:off x="0" y="506529"/>
+          <a:ext cx="10515600" cy="831599"/>
         </a:xfrm>
         <a:prstGeom prst="rect">
           <a:avLst/>
@@ -8397,8 +8586,8 @@
       </dsp:nvSpPr>
       <dsp:spPr>
         <a:xfrm>
-          <a:off x="525780" y="9"/>
-          <a:ext cx="8050859" cy="1505520"/>
+          <a:off x="525780" y="19449"/>
+          <a:ext cx="8050859" cy="974160"/>
         </a:xfrm>
         <a:prstGeom prst="roundRect">
           <a:avLst/>
@@ -8468,8 +8657,8 @@
         </a:p>
       </dsp:txBody>
       <dsp:txXfrm>
-        <a:off x="599273" y="73502"/>
-        <a:ext cx="7903873" cy="1358534"/>
+        <a:off x="573335" y="67004"/>
+        <a:ext cx="7955749" cy="879050"/>
       </dsp:txXfrm>
     </dsp:sp>
     <dsp:sp modelId="{5CB3B87C-1EFC-DB45-96D0-47D3B8976425}">
@@ -8479,8 +8668,8 @@
       </dsp:nvSpPr>
       <dsp:spPr>
         <a:xfrm>
-          <a:off x="0" y="3066129"/>
-          <a:ext cx="10515600" cy="1285199"/>
+          <a:off x="0" y="2003409"/>
+          <a:ext cx="10515600" cy="831599"/>
         </a:xfrm>
         <a:prstGeom prst="rect">
           <a:avLst/>
@@ -8528,147 +8717,8 @@
       </dsp:nvSpPr>
       <dsp:spPr>
         <a:xfrm>
-          <a:off x="506604" y="2337065"/>
-          <a:ext cx="8101060" cy="1505520"/>
-        </a:xfrm>
-        <a:prstGeom prst="roundRect">
-          <a:avLst/>
-        </a:prstGeom>
-        <a:solidFill>
-          <a:schemeClr val="accent1">
-            <a:hueOff val="0"/>
-            <a:satOff val="0"/>
-            <a:lumOff val="0"/>
-            <a:alphaOff val="0"/>
-          </a:schemeClr>
-        </a:solidFill>
-        <a:ln w="12700" cap="flat" cmpd="sng" algn="ctr">
-          <a:solidFill>
-            <a:schemeClr val="lt1">
-              <a:hueOff val="0"/>
-              <a:satOff val="0"/>
-              <a:lumOff val="0"/>
-              <a:alphaOff val="0"/>
-            </a:schemeClr>
-          </a:solidFill>
-          <a:prstDash val="solid"/>
-          <a:miter lim="800000"/>
-        </a:ln>
-        <a:effectLst/>
-      </dsp:spPr>
-      <dsp:style>
-        <a:lnRef idx="2">
-          <a:scrgbClr r="0" g="0" b="0"/>
-        </a:lnRef>
-        <a:fillRef idx="1">
-          <a:scrgbClr r="0" g="0" b="0"/>
-        </a:fillRef>
-        <a:effectRef idx="0">
-          <a:scrgbClr r="0" g="0" b="0"/>
-        </a:effectRef>
-        <a:fontRef idx="minor">
-          <a:schemeClr val="lt1"/>
-        </a:fontRef>
-      </dsp:style>
-      <dsp:txBody>
-        <a:bodyPr spcFirstLastPara="0" vert="horz" wrap="square" lIns="278225" tIns="0" rIns="278225" bIns="0" numCol="1" spcCol="1270" anchor="ctr" anchorCtr="0">
-          <a:noAutofit/>
-        </a:bodyPr>
-        <a:lstStyle/>
-        <a:p>
-          <a:pPr marL="0" lvl="0" indent="0" algn="l" defTabSz="1066800" rtl="0">
-            <a:lnSpc>
-              <a:spcPct val="90000"/>
-            </a:lnSpc>
-            <a:spcBef>
-              <a:spcPct val="0"/>
-            </a:spcBef>
-            <a:spcAft>
-              <a:spcPct val="35000"/>
-            </a:spcAft>
-            <a:buNone/>
-          </a:pPr>
-          <a:r>
-            <a:rPr lang="en-US" sz="2400" kern="1200" dirty="0"/>
-            <a:t>Simulation results</a:t>
-          </a:r>
-        </a:p>
-      </dsp:txBody>
-      <dsp:txXfrm>
-        <a:off x="580097" y="2410558"/>
-        <a:ext cx="7954074" cy="1358534"/>
-      </dsp:txXfrm>
-    </dsp:sp>
-  </dsp:spTree>
-</dsp:drawing>
-</file>
-
-<file path=ppt/diagrams/drawing2.xml><?xml version="1.0" encoding="utf-8"?>
-<dsp:drawing xmlns:dgm="http://schemas.openxmlformats.org/drawingml/2006/diagram" xmlns:dsp="http://schemas.microsoft.com/office/drawing/2008/diagram" xmlns:a="http://schemas.openxmlformats.org/drawingml/2006/main">
-  <dsp:spTree>
-    <dsp:nvGrpSpPr>
-      <dsp:cNvPr id="0" name=""/>
-      <dsp:cNvGrpSpPr/>
-    </dsp:nvGrpSpPr>
-    <dsp:grpSpPr/>
-    <dsp:sp modelId="{AE644DA1-FB96-AD46-9351-A63F15BA70E1}">
-      <dsp:nvSpPr>
-        <dsp:cNvPr id="0" name=""/>
-        <dsp:cNvSpPr/>
-      </dsp:nvSpPr>
-      <dsp:spPr>
-        <a:xfrm>
-          <a:off x="0" y="752769"/>
-          <a:ext cx="10515600" cy="1285199"/>
-        </a:xfrm>
-        <a:prstGeom prst="rect">
-          <a:avLst/>
-        </a:prstGeom>
-        <a:solidFill>
-          <a:schemeClr val="lt1">
-            <a:alpha val="90000"/>
-            <a:hueOff val="0"/>
-            <a:satOff val="0"/>
-            <a:lumOff val="0"/>
-            <a:alphaOff val="0"/>
-          </a:schemeClr>
-        </a:solidFill>
-        <a:ln w="12700" cap="flat" cmpd="sng" algn="ctr">
-          <a:solidFill>
-            <a:schemeClr val="accent1">
-              <a:hueOff val="0"/>
-              <a:satOff val="0"/>
-              <a:lumOff val="0"/>
-              <a:alphaOff val="0"/>
-            </a:schemeClr>
-          </a:solidFill>
-          <a:prstDash val="solid"/>
-          <a:miter lim="800000"/>
-        </a:ln>
-        <a:effectLst/>
-      </dsp:spPr>
-      <dsp:style>
-        <a:lnRef idx="2">
-          <a:scrgbClr r="0" g="0" b="0"/>
-        </a:lnRef>
-        <a:fillRef idx="1">
-          <a:scrgbClr r="0" g="0" b="0"/>
-        </a:fillRef>
-        <a:effectRef idx="0">
-          <a:scrgbClr r="0" g="0" b="0"/>
-        </a:effectRef>
-        <a:fontRef idx="minor"/>
-      </dsp:style>
-    </dsp:sp>
-    <dsp:sp modelId="{4DE260E5-B794-E44D-9A9E-F4D646D8E5A7}">
-      <dsp:nvSpPr>
-        <dsp:cNvPr id="0" name=""/>
-        <dsp:cNvSpPr/>
-      </dsp:nvSpPr>
-      <dsp:spPr>
-        <a:xfrm>
-          <a:off x="525780" y="9"/>
-          <a:ext cx="8050859" cy="1505520"/>
+          <a:off x="506604" y="1531662"/>
+          <a:ext cx="8101060" cy="974160"/>
         </a:xfrm>
         <a:prstGeom prst="roundRect">
           <a:avLst/>
@@ -8733,13 +8783,308 @@
                 <a:schemeClr val="bg1"/>
               </a:solidFill>
             </a:rPr>
-            <a:t>Last time question </a:t>
+            <a:t>Simulation</a:t>
+          </a:r>
+          <a:r>
+            <a:rPr lang="en-US" sz="2400" b="1" kern="1200" dirty="0">
+              <a:solidFill>
+                <a:schemeClr val="tx1"/>
+              </a:solidFill>
+            </a:rPr>
+            <a:t> </a:t>
+          </a:r>
+          <a:r>
+            <a:rPr lang="en-US" sz="2400" b="1" kern="1200" dirty="0">
+              <a:solidFill>
+                <a:schemeClr val="bg1"/>
+              </a:solidFill>
+            </a:rPr>
+            <a:t>results</a:t>
           </a:r>
         </a:p>
       </dsp:txBody>
       <dsp:txXfrm>
-        <a:off x="599273" y="73502"/>
-        <a:ext cx="7903873" cy="1358534"/>
+        <a:off x="554159" y="1579217"/>
+        <a:ext cx="8005950" cy="879050"/>
+      </dsp:txXfrm>
+    </dsp:sp>
+    <dsp:sp modelId="{5A72D70B-95A3-FE4A-9803-85FD746B2080}">
+      <dsp:nvSpPr>
+        <dsp:cNvPr id="0" name=""/>
+        <dsp:cNvSpPr/>
+      </dsp:nvSpPr>
+      <dsp:spPr>
+        <a:xfrm>
+          <a:off x="0" y="3500289"/>
+          <a:ext cx="10515600" cy="831599"/>
+        </a:xfrm>
+        <a:prstGeom prst="rect">
+          <a:avLst/>
+        </a:prstGeom>
+        <a:solidFill>
+          <a:schemeClr val="lt1">
+            <a:alpha val="90000"/>
+            <a:hueOff val="0"/>
+            <a:satOff val="0"/>
+            <a:lumOff val="0"/>
+            <a:alphaOff val="0"/>
+          </a:schemeClr>
+        </a:solidFill>
+        <a:ln w="12700" cap="flat" cmpd="sng" algn="ctr">
+          <a:solidFill>
+            <a:schemeClr val="accent1">
+              <a:hueOff val="0"/>
+              <a:satOff val="0"/>
+              <a:lumOff val="0"/>
+              <a:alphaOff val="0"/>
+            </a:schemeClr>
+          </a:solidFill>
+          <a:prstDash val="solid"/>
+          <a:miter lim="800000"/>
+        </a:ln>
+        <a:effectLst/>
+      </dsp:spPr>
+      <dsp:style>
+        <a:lnRef idx="2">
+          <a:scrgbClr r="0" g="0" b="0"/>
+        </a:lnRef>
+        <a:fillRef idx="1">
+          <a:scrgbClr r="0" g="0" b="0"/>
+        </a:fillRef>
+        <a:effectRef idx="0">
+          <a:scrgbClr r="0" g="0" b="0"/>
+        </a:effectRef>
+        <a:fontRef idx="minor"/>
+      </dsp:style>
+    </dsp:sp>
+    <dsp:sp modelId="{78AE5B93-8DEE-704B-86F8-D2CF2AA0493D}">
+      <dsp:nvSpPr>
+        <dsp:cNvPr id="0" name=""/>
+        <dsp:cNvSpPr/>
+      </dsp:nvSpPr>
+      <dsp:spPr>
+        <a:xfrm>
+          <a:off x="525780" y="3013209"/>
+          <a:ext cx="7360920" cy="974160"/>
+        </a:xfrm>
+        <a:prstGeom prst="roundRect">
+          <a:avLst/>
+        </a:prstGeom>
+        <a:solidFill>
+          <a:schemeClr val="accent1">
+            <a:hueOff val="0"/>
+            <a:satOff val="0"/>
+            <a:lumOff val="0"/>
+            <a:alphaOff val="0"/>
+          </a:schemeClr>
+        </a:solidFill>
+        <a:ln w="12700" cap="flat" cmpd="sng" algn="ctr">
+          <a:solidFill>
+            <a:schemeClr val="lt1">
+              <a:hueOff val="0"/>
+              <a:satOff val="0"/>
+              <a:lumOff val="0"/>
+              <a:alphaOff val="0"/>
+            </a:schemeClr>
+          </a:solidFill>
+          <a:prstDash val="solid"/>
+          <a:miter lim="800000"/>
+        </a:ln>
+        <a:effectLst/>
+      </dsp:spPr>
+      <dsp:style>
+        <a:lnRef idx="2">
+          <a:scrgbClr r="0" g="0" b="0"/>
+        </a:lnRef>
+        <a:fillRef idx="1">
+          <a:scrgbClr r="0" g="0" b="0"/>
+        </a:fillRef>
+        <a:effectRef idx="0">
+          <a:scrgbClr r="0" g="0" b="0"/>
+        </a:effectRef>
+        <a:fontRef idx="minor">
+          <a:schemeClr val="lt1"/>
+        </a:fontRef>
+      </dsp:style>
+      <dsp:txBody>
+        <a:bodyPr spcFirstLastPara="0" vert="horz" wrap="square" lIns="278225" tIns="0" rIns="278225" bIns="0" numCol="1" spcCol="1270" anchor="ctr" anchorCtr="0">
+          <a:noAutofit/>
+        </a:bodyPr>
+        <a:lstStyle/>
+        <a:p>
+          <a:pPr marL="0" lvl="0" indent="0" algn="l" defTabSz="1066800">
+            <a:lnSpc>
+              <a:spcPct val="90000"/>
+            </a:lnSpc>
+            <a:spcBef>
+              <a:spcPct val="0"/>
+            </a:spcBef>
+            <a:spcAft>
+              <a:spcPct val="35000"/>
+            </a:spcAft>
+            <a:buNone/>
+          </a:pPr>
+          <a:r>
+            <a:rPr lang="en-US" altLang="zh-CN" sz="2400" b="0" kern="1200" dirty="0">
+              <a:solidFill>
+                <a:schemeClr val="bg1"/>
+              </a:solidFill>
+            </a:rPr>
+            <a:t>Next step</a:t>
+          </a:r>
+          <a:endParaRPr lang="zh-CN" altLang="en-US" sz="2400" b="0" kern="1200" dirty="0">
+            <a:solidFill>
+              <a:schemeClr val="bg1"/>
+            </a:solidFill>
+          </a:endParaRPr>
+        </a:p>
+      </dsp:txBody>
+      <dsp:txXfrm>
+        <a:off x="573335" y="3060764"/>
+        <a:ext cx="7265810" cy="879050"/>
+      </dsp:txXfrm>
+    </dsp:sp>
+  </dsp:spTree>
+</dsp:drawing>
+</file>
+
+<file path=ppt/diagrams/drawing2.xml><?xml version="1.0" encoding="utf-8"?>
+<dsp:drawing xmlns:dgm="http://schemas.openxmlformats.org/drawingml/2006/diagram" xmlns:dsp="http://schemas.microsoft.com/office/drawing/2008/diagram" xmlns:a="http://schemas.openxmlformats.org/drawingml/2006/main">
+  <dsp:spTree>
+    <dsp:nvGrpSpPr>
+      <dsp:cNvPr id="0" name=""/>
+      <dsp:cNvGrpSpPr/>
+    </dsp:nvGrpSpPr>
+    <dsp:grpSpPr/>
+    <dsp:sp modelId="{AE644DA1-FB96-AD46-9351-A63F15BA70E1}">
+      <dsp:nvSpPr>
+        <dsp:cNvPr id="0" name=""/>
+        <dsp:cNvSpPr/>
+      </dsp:nvSpPr>
+      <dsp:spPr>
+        <a:xfrm>
+          <a:off x="0" y="506529"/>
+          <a:ext cx="10515600" cy="831599"/>
+        </a:xfrm>
+        <a:prstGeom prst="rect">
+          <a:avLst/>
+        </a:prstGeom>
+        <a:solidFill>
+          <a:schemeClr val="lt1">
+            <a:alpha val="90000"/>
+            <a:hueOff val="0"/>
+            <a:satOff val="0"/>
+            <a:lumOff val="0"/>
+            <a:alphaOff val="0"/>
+          </a:schemeClr>
+        </a:solidFill>
+        <a:ln w="12700" cap="flat" cmpd="sng" algn="ctr">
+          <a:solidFill>
+            <a:schemeClr val="accent1">
+              <a:hueOff val="0"/>
+              <a:satOff val="0"/>
+              <a:lumOff val="0"/>
+              <a:alphaOff val="0"/>
+            </a:schemeClr>
+          </a:solidFill>
+          <a:prstDash val="solid"/>
+          <a:miter lim="800000"/>
+        </a:ln>
+        <a:effectLst/>
+      </dsp:spPr>
+      <dsp:style>
+        <a:lnRef idx="2">
+          <a:scrgbClr r="0" g="0" b="0"/>
+        </a:lnRef>
+        <a:fillRef idx="1">
+          <a:scrgbClr r="0" g="0" b="0"/>
+        </a:fillRef>
+        <a:effectRef idx="0">
+          <a:scrgbClr r="0" g="0" b="0"/>
+        </a:effectRef>
+        <a:fontRef idx="minor"/>
+      </dsp:style>
+    </dsp:sp>
+    <dsp:sp modelId="{4DE260E5-B794-E44D-9A9E-F4D646D8E5A7}">
+      <dsp:nvSpPr>
+        <dsp:cNvPr id="0" name=""/>
+        <dsp:cNvSpPr/>
+      </dsp:nvSpPr>
+      <dsp:spPr>
+        <a:xfrm>
+          <a:off x="525780" y="19449"/>
+          <a:ext cx="8050859" cy="974160"/>
+        </a:xfrm>
+        <a:prstGeom prst="roundRect">
+          <a:avLst/>
+        </a:prstGeom>
+        <a:solidFill>
+          <a:schemeClr val="accent1">
+            <a:hueOff val="0"/>
+            <a:satOff val="0"/>
+            <a:lumOff val="0"/>
+            <a:alphaOff val="0"/>
+          </a:schemeClr>
+        </a:solidFill>
+        <a:ln w="12700" cap="flat" cmpd="sng" algn="ctr">
+          <a:solidFill>
+            <a:schemeClr val="lt1">
+              <a:hueOff val="0"/>
+              <a:satOff val="0"/>
+              <a:lumOff val="0"/>
+              <a:alphaOff val="0"/>
+            </a:schemeClr>
+          </a:solidFill>
+          <a:prstDash val="solid"/>
+          <a:miter lim="800000"/>
+        </a:ln>
+        <a:effectLst/>
+      </dsp:spPr>
+      <dsp:style>
+        <a:lnRef idx="2">
+          <a:scrgbClr r="0" g="0" b="0"/>
+        </a:lnRef>
+        <a:fillRef idx="1">
+          <a:scrgbClr r="0" g="0" b="0"/>
+        </a:fillRef>
+        <a:effectRef idx="0">
+          <a:scrgbClr r="0" g="0" b="0"/>
+        </a:effectRef>
+        <a:fontRef idx="minor">
+          <a:schemeClr val="lt1"/>
+        </a:fontRef>
+      </dsp:style>
+      <dsp:txBody>
+        <a:bodyPr spcFirstLastPara="0" vert="horz" wrap="square" lIns="278225" tIns="0" rIns="278225" bIns="0" numCol="1" spcCol="1270" anchor="ctr" anchorCtr="0">
+          <a:noAutofit/>
+        </a:bodyPr>
+        <a:lstStyle/>
+        <a:p>
+          <a:pPr marL="0" lvl="0" indent="0" algn="l" defTabSz="1066800" rtl="0">
+            <a:lnSpc>
+              <a:spcPct val="90000"/>
+            </a:lnSpc>
+            <a:spcBef>
+              <a:spcPct val="0"/>
+            </a:spcBef>
+            <a:spcAft>
+              <a:spcPct val="35000"/>
+            </a:spcAft>
+            <a:buNone/>
+          </a:pPr>
+          <a:r>
+            <a:rPr lang="en-US" sz="2400" b="0" kern="1200" dirty="0">
+              <a:solidFill>
+                <a:schemeClr val="bg1"/>
+              </a:solidFill>
+            </a:rPr>
+            <a:t>Last time</a:t>
+          </a:r>
+        </a:p>
+      </dsp:txBody>
+      <dsp:txXfrm>
+        <a:off x="573335" y="67004"/>
+        <a:ext cx="7955749" cy="879050"/>
       </dsp:txXfrm>
     </dsp:sp>
     <dsp:sp modelId="{5CB3B87C-1EFC-DB45-96D0-47D3B8976425}">
@@ -8749,8 +9094,8 @@
       </dsp:nvSpPr>
       <dsp:spPr>
         <a:xfrm>
-          <a:off x="0" y="3066129"/>
-          <a:ext cx="10515600" cy="1285199"/>
+          <a:off x="0" y="2003409"/>
+          <a:ext cx="10515600" cy="831599"/>
         </a:xfrm>
         <a:prstGeom prst="rect">
           <a:avLst/>
@@ -8798,8 +9143,8 @@
       </dsp:nvSpPr>
       <dsp:spPr>
         <a:xfrm>
-          <a:off x="506604" y="2337065"/>
-          <a:ext cx="8101060" cy="1505520"/>
+          <a:off x="506604" y="1531662"/>
+          <a:ext cx="8101060" cy="974160"/>
         </a:xfrm>
         <a:prstGeom prst="roundRect">
           <a:avLst/>
@@ -8869,8 +9214,144 @@
         </a:p>
       </dsp:txBody>
       <dsp:txXfrm>
-        <a:off x="580097" y="2410558"/>
-        <a:ext cx="7954074" cy="1358534"/>
+        <a:off x="554159" y="1579217"/>
+        <a:ext cx="8005950" cy="879050"/>
+      </dsp:txXfrm>
+    </dsp:sp>
+    <dsp:sp modelId="{5A72D70B-95A3-FE4A-9803-85FD746B2080}">
+      <dsp:nvSpPr>
+        <dsp:cNvPr id="0" name=""/>
+        <dsp:cNvSpPr/>
+      </dsp:nvSpPr>
+      <dsp:spPr>
+        <a:xfrm>
+          <a:off x="0" y="3500289"/>
+          <a:ext cx="10515600" cy="831599"/>
+        </a:xfrm>
+        <a:prstGeom prst="rect">
+          <a:avLst/>
+        </a:prstGeom>
+        <a:solidFill>
+          <a:schemeClr val="lt1">
+            <a:alpha val="90000"/>
+            <a:hueOff val="0"/>
+            <a:satOff val="0"/>
+            <a:lumOff val="0"/>
+            <a:alphaOff val="0"/>
+          </a:schemeClr>
+        </a:solidFill>
+        <a:ln w="12700" cap="flat" cmpd="sng" algn="ctr">
+          <a:solidFill>
+            <a:schemeClr val="accent1">
+              <a:hueOff val="0"/>
+              <a:satOff val="0"/>
+              <a:lumOff val="0"/>
+              <a:alphaOff val="0"/>
+            </a:schemeClr>
+          </a:solidFill>
+          <a:prstDash val="solid"/>
+          <a:miter lim="800000"/>
+        </a:ln>
+        <a:effectLst/>
+      </dsp:spPr>
+      <dsp:style>
+        <a:lnRef idx="2">
+          <a:scrgbClr r="0" g="0" b="0"/>
+        </a:lnRef>
+        <a:fillRef idx="1">
+          <a:scrgbClr r="0" g="0" b="0"/>
+        </a:fillRef>
+        <a:effectRef idx="0">
+          <a:scrgbClr r="0" g="0" b="0"/>
+        </a:effectRef>
+        <a:fontRef idx="minor"/>
+      </dsp:style>
+    </dsp:sp>
+    <dsp:sp modelId="{78AE5B93-8DEE-704B-86F8-D2CF2AA0493D}">
+      <dsp:nvSpPr>
+        <dsp:cNvPr id="0" name=""/>
+        <dsp:cNvSpPr/>
+      </dsp:nvSpPr>
+      <dsp:spPr>
+        <a:xfrm>
+          <a:off x="525780" y="3013209"/>
+          <a:ext cx="7360920" cy="974160"/>
+        </a:xfrm>
+        <a:prstGeom prst="roundRect">
+          <a:avLst/>
+        </a:prstGeom>
+        <a:solidFill>
+          <a:schemeClr val="accent1">
+            <a:hueOff val="0"/>
+            <a:satOff val="0"/>
+            <a:lumOff val="0"/>
+            <a:alphaOff val="0"/>
+          </a:schemeClr>
+        </a:solidFill>
+        <a:ln w="12700" cap="flat" cmpd="sng" algn="ctr">
+          <a:solidFill>
+            <a:schemeClr val="lt1">
+              <a:hueOff val="0"/>
+              <a:satOff val="0"/>
+              <a:lumOff val="0"/>
+              <a:alphaOff val="0"/>
+            </a:schemeClr>
+          </a:solidFill>
+          <a:prstDash val="solid"/>
+          <a:miter lim="800000"/>
+        </a:ln>
+        <a:effectLst/>
+      </dsp:spPr>
+      <dsp:style>
+        <a:lnRef idx="2">
+          <a:scrgbClr r="0" g="0" b="0"/>
+        </a:lnRef>
+        <a:fillRef idx="1">
+          <a:scrgbClr r="0" g="0" b="0"/>
+        </a:fillRef>
+        <a:effectRef idx="0">
+          <a:scrgbClr r="0" g="0" b="0"/>
+        </a:effectRef>
+        <a:fontRef idx="minor">
+          <a:schemeClr val="lt1"/>
+        </a:fontRef>
+      </dsp:style>
+      <dsp:txBody>
+        <a:bodyPr spcFirstLastPara="0" vert="horz" wrap="square" lIns="278225" tIns="0" rIns="278225" bIns="0" numCol="1" spcCol="1270" anchor="ctr" anchorCtr="0">
+          <a:noAutofit/>
+        </a:bodyPr>
+        <a:lstStyle/>
+        <a:p>
+          <a:pPr marL="0" lvl="0" indent="0" algn="l" defTabSz="1066800">
+            <a:lnSpc>
+              <a:spcPct val="90000"/>
+            </a:lnSpc>
+            <a:spcBef>
+              <a:spcPct val="0"/>
+            </a:spcBef>
+            <a:spcAft>
+              <a:spcPct val="35000"/>
+            </a:spcAft>
+            <a:buNone/>
+          </a:pPr>
+          <a:r>
+            <a:rPr lang="en-US" altLang="zh-CN" sz="2400" b="0" kern="1200" dirty="0">
+              <a:solidFill>
+                <a:schemeClr val="bg1"/>
+              </a:solidFill>
+            </a:rPr>
+            <a:t>Next step</a:t>
+          </a:r>
+          <a:endParaRPr lang="zh-CN" altLang="en-US" sz="2400" b="0" kern="1200" dirty="0">
+            <a:solidFill>
+              <a:schemeClr val="bg1"/>
+            </a:solidFill>
+          </a:endParaRPr>
+        </a:p>
+      </dsp:txBody>
+      <dsp:txXfrm>
+        <a:off x="573335" y="3060764"/>
+        <a:ext cx="7265810" cy="879050"/>
       </dsp:txXfrm>
     </dsp:sp>
   </dsp:spTree>
@@ -9002,18 +9483,13 @@
             <a:buNone/>
           </a:pPr>
           <a:r>
-            <a:rPr lang="en-US" sz="2400" b="0" kern="1200">
+            <a:rPr lang="en-US" sz="2400" b="0" kern="1200" dirty="0">
               <a:solidFill>
                 <a:schemeClr val="bg1"/>
               </a:solidFill>
             </a:rPr>
             <a:t>Last time</a:t>
           </a:r>
-          <a:endParaRPr lang="en-US" sz="2400" b="0" kern="1200" dirty="0">
-            <a:solidFill>
-              <a:schemeClr val="bg1"/>
-            </a:solidFill>
-          </a:endParaRPr>
         </a:p>
       </dsp:txBody>
       <dsp:txXfrm>
@@ -14007,7 +14483,7 @@
     </p:spTree>
     <p:extLst>
       <p:ext uri="{BB962C8B-B14F-4D97-AF65-F5344CB8AC3E}">
-        <p14:creationId xmlns:p14="http://schemas.microsoft.com/office/powerpoint/2010/main" val="2325540379"/>
+        <p14:creationId xmlns:p14="http://schemas.microsoft.com/office/powerpoint/2010/main" val="2841332153"/>
       </p:ext>
     </p:extLst>
   </p:cSld>
@@ -14175,7 +14651,7 @@
     </p:spTree>
     <p:extLst>
       <p:ext uri="{BB962C8B-B14F-4D97-AF65-F5344CB8AC3E}">
-        <p14:creationId xmlns:p14="http://schemas.microsoft.com/office/powerpoint/2010/main" val="2383599426"/>
+        <p14:creationId xmlns:p14="http://schemas.microsoft.com/office/powerpoint/2010/main" val="1466349193"/>
       </p:ext>
     </p:extLst>
   </p:cSld>
@@ -21465,6 +21941,49 @@
           </a:ln>
         </p:spPr>
       </p:pic>
+      <p:sp>
+        <p:nvSpPr>
+          <p:cNvPr id="4" name="文本框 3">
+            <a:extLst>
+              <a:ext uri="{FF2B5EF4-FFF2-40B4-BE49-F238E27FC236}">
+                <a16:creationId xmlns:a16="http://schemas.microsoft.com/office/drawing/2014/main" id="{33CD7914-DA8C-F7EC-F67D-63D750C8B09F}"/>
+              </a:ext>
+            </a:extLst>
+          </p:cNvPr>
+          <p:cNvSpPr txBox="1"/>
+          <p:nvPr/>
+        </p:nvSpPr>
+        <p:spPr>
+          <a:xfrm>
+            <a:off x="668182" y="6301368"/>
+            <a:ext cx="9195146" cy="307777"/>
+          </a:xfrm>
+          <a:prstGeom prst="rect">
+            <a:avLst/>
+          </a:prstGeom>
+          <a:noFill/>
+        </p:spPr>
+        <p:txBody>
+          <a:bodyPr wrap="none" rtlCol="0">
+            <a:spAutoFit/>
+          </a:bodyPr>
+          <a:lstStyle/>
+          <a:p>
+            <a:r>
+              <a:rPr kumimoji="1" lang="en-US" altLang="zh-CN" sz="1400" dirty="0"/>
+              <a:t>For GPU energy consumption, concerning the current device that using, </a:t>
+            </a:r>
+            <a:r>
+              <a:rPr kumimoji="1" lang="en-US" altLang="zh-CN" sz="1400" dirty="0" err="1"/>
+              <a:t>codecarbon</a:t>
+            </a:r>
+            <a:r>
+              <a:rPr kumimoji="1" lang="en-US" altLang="zh-CN" sz="1400" dirty="0"/>
+              <a:t> might not be the best choice</a:t>
+            </a:r>
+          </a:p>
+        </p:txBody>
+      </p:sp>
     </p:spTree>
     <p:extLst>
       <p:ext uri="{BB962C8B-B14F-4D97-AF65-F5344CB8AC3E}">
@@ -22110,7 +22629,7 @@
           <p:nvPr>
             <p:extLst>
               <p:ext uri="{D42A27DB-BD31-4B8C-83A1-F6EECF244321}">
-                <p14:modId xmlns:p14="http://schemas.microsoft.com/office/powerpoint/2010/main" val="1073356808"/>
+                <p14:modId xmlns:p14="http://schemas.microsoft.com/office/powerpoint/2010/main" val="523627949"/>
               </p:ext>
             </p:extLst>
           </p:nvPr>
@@ -22125,39 +22644,6 @@
           </a:graphicData>
         </a:graphic>
       </p:graphicFrame>
-      <p:pic>
-        <p:nvPicPr>
-          <p:cNvPr id="2" name="Google Shape;64;p1">
-            <a:extLst>
-              <a:ext uri="{FF2B5EF4-FFF2-40B4-BE49-F238E27FC236}">
-                <a16:creationId xmlns:a16="http://schemas.microsoft.com/office/drawing/2014/main" id="{737FC5B6-5184-D698-21FB-428DF6438BC9}"/>
-              </a:ext>
-            </a:extLst>
-          </p:cNvPr>
-          <p:cNvPicPr preferRelativeResize="0"/>
-          <p:nvPr/>
-        </p:nvPicPr>
-        <p:blipFill rotWithShape="1">
-          <a:blip r:embed="rId8">
-            <a:alphaModFix/>
-          </a:blip>
-          <a:srcRect/>
-          <a:stretch/>
-        </p:blipFill>
-        <p:spPr>
-          <a:xfrm>
-            <a:off x="9863328" y="1"/>
-            <a:ext cx="2328672" cy="1028700"/>
-          </a:xfrm>
-          <a:prstGeom prst="rect">
-            <a:avLst/>
-          </a:prstGeom>
-          <a:noFill/>
-          <a:ln>
-            <a:noFill/>
-          </a:ln>
-        </p:spPr>
-      </p:pic>
       <p:sp>
         <p:nvSpPr>
           <p:cNvPr id="3" name="灯片编号占位符 2">
@@ -22187,10 +22673,43 @@
           </a:p>
         </p:txBody>
       </p:sp>
+      <p:pic>
+        <p:nvPicPr>
+          <p:cNvPr id="4" name="Google Shape;64;p1" descr="徽标&#10;&#10;描述已自动生成">
+            <a:extLst>
+              <a:ext uri="{FF2B5EF4-FFF2-40B4-BE49-F238E27FC236}">
+                <a16:creationId xmlns:a16="http://schemas.microsoft.com/office/drawing/2014/main" id="{E797683B-9D08-0DD4-0D92-B4721913B11E}"/>
+              </a:ext>
+            </a:extLst>
+          </p:cNvPr>
+          <p:cNvPicPr preferRelativeResize="0"/>
+          <p:nvPr/>
+        </p:nvPicPr>
+        <p:blipFill rotWithShape="1">
+          <a:blip r:embed="rId8">
+            <a:alphaModFix/>
+          </a:blip>
+          <a:srcRect/>
+          <a:stretch/>
+        </p:blipFill>
+        <p:spPr>
+          <a:xfrm>
+            <a:off x="9863328" y="1"/>
+            <a:ext cx="2328672" cy="1028700"/>
+          </a:xfrm>
+          <a:prstGeom prst="rect">
+            <a:avLst/>
+          </a:prstGeom>
+          <a:noFill/>
+          <a:ln>
+            <a:noFill/>
+          </a:ln>
+        </p:spPr>
+      </p:pic>
     </p:spTree>
     <p:extLst>
       <p:ext uri="{BB962C8B-B14F-4D97-AF65-F5344CB8AC3E}">
-        <p14:creationId xmlns:p14="http://schemas.microsoft.com/office/powerpoint/2010/main" val="4045649330"/>
+        <p14:creationId xmlns:p14="http://schemas.microsoft.com/office/powerpoint/2010/main" val="3429211201"/>
       </p:ext>
     </p:extLst>
   </p:cSld>
@@ -22793,7 +23312,7 @@
           <p:nvPr>
             <p:extLst>
               <p:ext uri="{D42A27DB-BD31-4B8C-83A1-F6EECF244321}">
-                <p14:modId xmlns:p14="http://schemas.microsoft.com/office/powerpoint/2010/main" val="912654766"/>
+                <p14:modId xmlns:p14="http://schemas.microsoft.com/office/powerpoint/2010/main" val="3694007786"/>
               </p:ext>
             </p:extLst>
           </p:nvPr>
@@ -22808,39 +23327,6 @@
           </a:graphicData>
         </a:graphic>
       </p:graphicFrame>
-      <p:pic>
-        <p:nvPicPr>
-          <p:cNvPr id="2" name="Google Shape;64;p1">
-            <a:extLst>
-              <a:ext uri="{FF2B5EF4-FFF2-40B4-BE49-F238E27FC236}">
-                <a16:creationId xmlns:a16="http://schemas.microsoft.com/office/drawing/2014/main" id="{737FC5B6-5184-D698-21FB-428DF6438BC9}"/>
-              </a:ext>
-            </a:extLst>
-          </p:cNvPr>
-          <p:cNvPicPr preferRelativeResize="0"/>
-          <p:nvPr/>
-        </p:nvPicPr>
-        <p:blipFill rotWithShape="1">
-          <a:blip r:embed="rId8">
-            <a:alphaModFix/>
-          </a:blip>
-          <a:srcRect/>
-          <a:stretch/>
-        </p:blipFill>
-        <p:spPr>
-          <a:xfrm>
-            <a:off x="9863328" y="1"/>
-            <a:ext cx="2328672" cy="1028700"/>
-          </a:xfrm>
-          <a:prstGeom prst="rect">
-            <a:avLst/>
-          </a:prstGeom>
-          <a:noFill/>
-          <a:ln>
-            <a:noFill/>
-          </a:ln>
-        </p:spPr>
-      </p:pic>
       <p:sp>
         <p:nvSpPr>
           <p:cNvPr id="3" name="灯片编号占位符 2">
@@ -22870,10 +23356,43 @@
           </a:p>
         </p:txBody>
       </p:sp>
+      <p:pic>
+        <p:nvPicPr>
+          <p:cNvPr id="4" name="Google Shape;64;p1" descr="徽标&#10;&#10;描述已自动生成">
+            <a:extLst>
+              <a:ext uri="{FF2B5EF4-FFF2-40B4-BE49-F238E27FC236}">
+                <a16:creationId xmlns:a16="http://schemas.microsoft.com/office/drawing/2014/main" id="{E797683B-9D08-0DD4-0D92-B4721913B11E}"/>
+              </a:ext>
+            </a:extLst>
+          </p:cNvPr>
+          <p:cNvPicPr preferRelativeResize="0"/>
+          <p:nvPr/>
+        </p:nvPicPr>
+        <p:blipFill rotWithShape="1">
+          <a:blip r:embed="rId8">
+            <a:alphaModFix/>
+          </a:blip>
+          <a:srcRect/>
+          <a:stretch/>
+        </p:blipFill>
+        <p:spPr>
+          <a:xfrm>
+            <a:off x="9863328" y="1"/>
+            <a:ext cx="2328672" cy="1028700"/>
+          </a:xfrm>
+          <a:prstGeom prst="rect">
+            <a:avLst/>
+          </a:prstGeom>
+          <a:noFill/>
+          <a:ln>
+            <a:noFill/>
+          </a:ln>
+        </p:spPr>
+      </p:pic>
     </p:spTree>
     <p:extLst>
       <p:ext uri="{BB962C8B-B14F-4D97-AF65-F5344CB8AC3E}">
-        <p14:creationId xmlns:p14="http://schemas.microsoft.com/office/powerpoint/2010/main" val="2582942068"/>
+        <p14:creationId xmlns:p14="http://schemas.microsoft.com/office/powerpoint/2010/main" val="152389043"/>
       </p:ext>
     </p:extLst>
   </p:cSld>
